--- a/presentazione.pptx
+++ b/presentazione.pptx
@@ -5,10 +5,10 @@
     <p:sldMasterId id="2147483648" r:id="rId4"/>
   </p:sldMasterIdLst>
   <p:notesMasterIdLst>
-    <p:notesMasterId r:id="rId19"/>
+    <p:notesMasterId r:id="rId22"/>
   </p:notesMasterIdLst>
   <p:handoutMasterIdLst>
-    <p:handoutMasterId r:id="rId20"/>
+    <p:handoutMasterId r:id="rId23"/>
   </p:handoutMasterIdLst>
   <p:sldIdLst>
     <p:sldId id="256" r:id="rId5"/>
@@ -20,11 +20,14 @@
     <p:sldId id="283" r:id="rId11"/>
     <p:sldId id="284" r:id="rId12"/>
     <p:sldId id="285" r:id="rId13"/>
-    <p:sldId id="287" r:id="rId14"/>
-    <p:sldId id="286" r:id="rId15"/>
-    <p:sldId id="276" r:id="rId16"/>
-    <p:sldId id="277" r:id="rId17"/>
-    <p:sldId id="273" r:id="rId18"/>
+    <p:sldId id="289" r:id="rId14"/>
+    <p:sldId id="287" r:id="rId15"/>
+    <p:sldId id="286" r:id="rId16"/>
+    <p:sldId id="276" r:id="rId17"/>
+    <p:sldId id="277" r:id="rId18"/>
+    <p:sldId id="290" r:id="rId19"/>
+    <p:sldId id="273" r:id="rId20"/>
+    <p:sldId id="288" r:id="rId21"/>
   </p:sldIdLst>
   <p:sldSz cx="12192000" cy="6858000"/>
   <p:notesSz cx="6858000" cy="9144000"/>
@@ -229,7 +232,7 @@
             <a:pPr algn="r" rtl="0"/>
             <a:fld id="{D50F3B11-940E-47CE-B693-CE7D23FE028D}" type="datetime1">
               <a:rPr lang="it-IT" smtClean="0"/>
-              <a:t>10/02/2022</a:t>
+              <a:t>11/02/2022</a:t>
             </a:fld>
             <a:endParaRPr lang="it-IT" dirty="0"/>
           </a:p>
@@ -359,7 +362,7 @@
           <inkml:channelProperty channel="F" name="resolution" value="0" units="1/dev"/>
         </inkml:channelProperties>
       </inkml:inkSource>
-      <inkml:timestamp xml:id="ts0" timeString="2022-02-10T22:37:15.402"/>
+      <inkml:timestamp xml:id="ts0" timeString="2022-02-10T22:37:43.943"/>
     </inkml:context>
     <inkml:brush xml:id="br0">
       <inkml:brushProperty name="width" value="0.05" units="cm"/>
@@ -372,90 +375,6 @@
 </file>
 
 <file path=ppt/ink/ink3.xml><?xml version="1.0" encoding="utf-8"?>
-<inkml:ink xmlns:inkml="http://www.w3.org/2003/InkML">
-  <inkml:definitions>
-    <inkml:context xml:id="ctx0">
-      <inkml:inkSource xml:id="inkSrc0">
-        <inkml:traceFormat>
-          <inkml:channel name="X" type="integer" min="-2.14748E9" max="2.14748E9" units="cm"/>
-          <inkml:channel name="Y" type="integer" min="-2.14748E9" max="2.14748E9" units="cm"/>
-          <inkml:channel name="F" type="integer" max="32767" units="dev"/>
-        </inkml:traceFormat>
-        <inkml:channelProperties>
-          <inkml:channelProperty channel="X" name="resolution" value="1000" units="1/cm"/>
-          <inkml:channelProperty channel="Y" name="resolution" value="1000" units="1/cm"/>
-          <inkml:channelProperty channel="F" name="resolution" value="0" units="1/dev"/>
-        </inkml:channelProperties>
-      </inkml:inkSource>
-      <inkml:timestamp xml:id="ts0" timeString="2022-02-10T22:37:34.975"/>
-    </inkml:context>
-    <inkml:brush xml:id="br0">
-      <inkml:brushProperty name="width" value="0.05" units="cm"/>
-      <inkml:brushProperty name="height" value="0.05" units="cm"/>
-      <inkml:brushProperty name="color" value="#66CC00"/>
-    </inkml:brush>
-  </inkml:definitions>
-  <inkml:trace contextRef="#ctx0" brushRef="#br0">0 1 24575</inkml:trace>
-</inkml:ink>
-</file>
-
-<file path=ppt/ink/ink4.xml><?xml version="1.0" encoding="utf-8"?>
-<inkml:ink xmlns:inkml="http://www.w3.org/2003/InkML">
-  <inkml:definitions>
-    <inkml:context xml:id="ctx0">
-      <inkml:inkSource xml:id="inkSrc0">
-        <inkml:traceFormat>
-          <inkml:channel name="X" type="integer" min="-2.14748E9" max="2.14748E9" units="cm"/>
-          <inkml:channel name="Y" type="integer" min="-2.14748E9" max="2.14748E9" units="cm"/>
-          <inkml:channel name="F" type="integer" max="32767" units="dev"/>
-        </inkml:traceFormat>
-        <inkml:channelProperties>
-          <inkml:channelProperty channel="X" name="resolution" value="1000" units="1/cm"/>
-          <inkml:channelProperty channel="Y" name="resolution" value="1000" units="1/cm"/>
-          <inkml:channelProperty channel="F" name="resolution" value="0" units="1/dev"/>
-        </inkml:channelProperties>
-      </inkml:inkSource>
-      <inkml:timestamp xml:id="ts0" timeString="2022-02-10T22:37:40.113"/>
-    </inkml:context>
-    <inkml:brush xml:id="br0">
-      <inkml:brushProperty name="width" value="0.05" units="cm"/>
-      <inkml:brushProperty name="height" value="0.05" units="cm"/>
-      <inkml:brushProperty name="color" value="#66CC00"/>
-    </inkml:brush>
-  </inkml:definitions>
-  <inkml:trace contextRef="#ctx0" brushRef="#br0">1 1 24575</inkml:trace>
-</inkml:ink>
-</file>
-
-<file path=ppt/ink/ink5.xml><?xml version="1.0" encoding="utf-8"?>
-<inkml:ink xmlns:inkml="http://www.w3.org/2003/InkML">
-  <inkml:definitions>
-    <inkml:context xml:id="ctx0">
-      <inkml:inkSource xml:id="inkSrc0">
-        <inkml:traceFormat>
-          <inkml:channel name="X" type="integer" min="-2.14748E9" max="2.14748E9" units="cm"/>
-          <inkml:channel name="Y" type="integer" min="-2.14748E9" max="2.14748E9" units="cm"/>
-          <inkml:channel name="F" type="integer" max="32767" units="dev"/>
-        </inkml:traceFormat>
-        <inkml:channelProperties>
-          <inkml:channelProperty channel="X" name="resolution" value="1000" units="1/cm"/>
-          <inkml:channelProperty channel="Y" name="resolution" value="1000" units="1/cm"/>
-          <inkml:channelProperty channel="F" name="resolution" value="0" units="1/dev"/>
-        </inkml:channelProperties>
-      </inkml:inkSource>
-      <inkml:timestamp xml:id="ts0" timeString="2022-02-10T22:37:43.943"/>
-    </inkml:context>
-    <inkml:brush xml:id="br0">
-      <inkml:brushProperty name="width" value="0.05" units="cm"/>
-      <inkml:brushProperty name="height" value="0.05" units="cm"/>
-      <inkml:brushProperty name="color" value="#66CC00"/>
-    </inkml:brush>
-  </inkml:definitions>
-  <inkml:trace contextRef="#ctx0" brushRef="#br0">0 0 24575</inkml:trace>
-</inkml:ink>
-</file>
-
-<file path=ppt/ink/ink6.xml><?xml version="1.0" encoding="utf-8"?>
 <inkml:ink xmlns:inkml="http://www.w3.org/2003/InkML">
   <inkml:definitions>
     <inkml:context xml:id="ctx0">
@@ -567,7 +486,7 @@
             <a:fld id="{A4BF746C-B2A6-4B2E-9724-880F3AE30A67}" type="datetime1">
               <a:rPr lang="it-IT" smtClean="0"/>
               <a:pPr/>
-              <a:t>10/02/2022</a:t>
+              <a:t>11/02/2022</a:t>
             </a:fld>
             <a:endParaRPr lang="it-IT" dirty="0"/>
           </a:p>
@@ -1209,7 +1128,7 @@
             <a:fld id="{C7734052-D933-4BCC-B6A5-48EFD76F7754}" type="datetime1">
               <a:rPr lang="it-IT" smtClean="0"/>
               <a:pPr/>
-              <a:t>10/02/2022</a:t>
+              <a:t>11/02/2022</a:t>
             </a:fld>
             <a:endParaRPr lang="it-IT" dirty="0"/>
           </a:p>
@@ -1396,7 +1315,7 @@
             <a:fld id="{F6CDBF89-191F-4BB6-A0A5-AE82CFBD06FA}" type="datetime1">
               <a:rPr lang="it-IT" smtClean="0"/>
               <a:pPr/>
-              <a:t>10/02/2022</a:t>
+              <a:t>11/02/2022</a:t>
             </a:fld>
             <a:endParaRPr lang="it-IT" dirty="0"/>
           </a:p>
@@ -1577,7 +1496,7 @@
             <a:fld id="{68AB5625-64B4-460E-A6D9-369CE1012A9B}" type="datetime1">
               <a:rPr lang="it-IT" noProof="0" smtClean="0"/>
               <a:pPr/>
-              <a:t>10/02/2022</a:t>
+              <a:t>11/02/2022</a:t>
             </a:fld>
             <a:endParaRPr lang="it-IT" noProof="0" dirty="0"/>
           </a:p>
@@ -2019,7 +1938,7 @@
             <a:fld id="{AE3FD152-3CF4-4A12-82AF-D5B89DAE18A5}" type="datetime1">
               <a:rPr lang="it-IT" smtClean="0"/>
               <a:pPr/>
-              <a:t>10/02/2022</a:t>
+              <a:t>11/02/2022</a:t>
             </a:fld>
             <a:endParaRPr lang="it-IT" dirty="0"/>
           </a:p>
@@ -2465,7 +2384,7 @@
             <a:fld id="{B973B550-EAE9-42BF-A7DE-AB698B003719}" type="datetime1">
               <a:rPr lang="it-IT" smtClean="0"/>
               <a:pPr/>
-              <a:t>10/02/2022</a:t>
+              <a:t>11/02/2022</a:t>
             </a:fld>
             <a:r>
               <a:rPr lang="it-IT" dirty="0"/>
@@ -2594,7 +2513,7 @@
             <a:fld id="{45DBFB90-286B-4CDB-A537-E7766944BBAA}" type="datetime1">
               <a:rPr lang="it-IT" smtClean="0"/>
               <a:pPr/>
-              <a:t>10/02/2022</a:t>
+              <a:t>11/02/2022</a:t>
             </a:fld>
             <a:endParaRPr lang="it-IT" dirty="0"/>
           </a:p>
@@ -2696,7 +2615,7 @@
             <a:fld id="{757A6CF1-12FE-4BE3-BB63-C2344989F7C5}" type="datetime1">
               <a:rPr lang="it-IT" smtClean="0"/>
               <a:pPr/>
-              <a:t>10/02/2022</a:t>
+              <a:t>11/02/2022</a:t>
             </a:fld>
             <a:endParaRPr lang="it-IT" dirty="0"/>
           </a:p>
@@ -2987,7 +2906,7 @@
             <a:fld id="{552CC9C2-6E71-4474-A4C0-C6B34CDA8882}" type="datetime1">
               <a:rPr lang="it-IT" smtClean="0"/>
               <a:pPr/>
-              <a:t>10/02/2022</a:t>
+              <a:t>11/02/2022</a:t>
             </a:fld>
             <a:endParaRPr lang="it-IT" dirty="0"/>
           </a:p>
@@ -3309,7 +3228,7 @@
             <a:fld id="{7B83B478-ACB0-4EE2-AD22-6C44567486AE}" type="datetime1">
               <a:rPr lang="it-IT" smtClean="0"/>
               <a:pPr/>
-              <a:t>10/02/2022</a:t>
+              <a:t>11/02/2022</a:t>
             </a:fld>
             <a:endParaRPr lang="it-IT" dirty="0"/>
           </a:p>
@@ -3524,7 +3443,7 @@
             <a:fld id="{856CDCEB-3746-40FA-A774-AE430F8D6A09}" type="datetime1">
               <a:rPr lang="it-IT" smtClean="0"/>
               <a:pPr/>
-              <a:t>10/02/2022</a:t>
+              <a:t>11/02/2022</a:t>
             </a:fld>
             <a:endParaRPr lang="it-IT" dirty="0"/>
           </a:p>
@@ -3970,6 +3889,20 @@
 <file path=ppt/slides/slide1.xml><?xml version="1.0" encoding="utf-8"?>
 <p:sld xmlns:a="http://schemas.openxmlformats.org/drawingml/2006/main" xmlns:r="http://schemas.openxmlformats.org/officeDocument/2006/relationships" xmlns:p="http://schemas.openxmlformats.org/presentationml/2006/main">
   <p:cSld>
+    <p:bg>
+      <p:bgPr>
+        <a:blipFill dpi="0" rotWithShape="1">
+          <a:blip r:embed="rId2">
+            <a:lum/>
+          </a:blip>
+          <a:srcRect/>
+          <a:stretch>
+            <a:fillRect t="-36000" b="-8000"/>
+          </a:stretch>
+        </a:blipFill>
+        <a:effectLst/>
+      </p:bgPr>
+    </p:bg>
     <p:spTree>
       <p:nvGrpSpPr>
         <p:cNvPr id="1" name=""/>
@@ -4031,22 +3964,37 @@
             <p:ph type="subTitle" idx="1"/>
           </p:nvPr>
         </p:nvSpPr>
-        <p:spPr/>
+        <p:spPr>
+          <a:xfrm>
+            <a:off x="1066800" y="4953000"/>
+            <a:ext cx="10058400" cy="780256"/>
+          </a:xfrm>
+        </p:spPr>
         <p:txBody>
-          <a:bodyPr rtlCol="0"/>
+          <a:bodyPr rtlCol="0">
+            <a:normAutofit fontScale="77500" lnSpcReduction="20000"/>
+          </a:bodyPr>
           <a:lstStyle/>
           <a:p>
             <a:pPr rtl="0"/>
+            <a:endParaRPr lang="it-IT" dirty="0"/>
+          </a:p>
+          <a:p>
+            <a:pPr rtl="0"/>
             <a:r>
               <a:rPr lang="it-IT" dirty="0"/>
-              <a:t>Zarmina Ursino (n. matricola)</a:t>
+              <a:t>Zarmina Ursino</a:t>
             </a:r>
           </a:p>
           <a:p>
             <a:pPr rtl="0"/>
-            <a:r>
-              <a:rPr lang="it-IT" dirty="0"/>
-              <a:t>Zarmina.ursino@studio.unibo.it</a:t>
+            <a:endParaRPr lang="it-IT" sz="1800" dirty="0"/>
+          </a:p>
+          <a:p>
+            <a:pPr rtl="0"/>
+            <a:r>
+              <a:rPr lang="it-IT" sz="1800" dirty="0"/>
+              <a:t>zarmina.ursino@studio.unibo.it</a:t>
             </a:r>
           </a:p>
         </p:txBody>
@@ -4068,6 +4016,113 @@
 </file>
 
 <file path=ppt/slides/slide10.xml><?xml version="1.0" encoding="utf-8"?>
+<p:sld xmlns:a="http://schemas.openxmlformats.org/drawingml/2006/main" xmlns:r="http://schemas.openxmlformats.org/officeDocument/2006/relationships" xmlns:p="http://schemas.openxmlformats.org/presentationml/2006/main">
+  <p:cSld>
+    <p:spTree>
+      <p:nvGrpSpPr>
+        <p:cNvPr id="1" name=""/>
+        <p:cNvGrpSpPr/>
+        <p:nvPr/>
+      </p:nvGrpSpPr>
+      <p:grpSpPr>
+        <a:xfrm>
+          <a:off x="0" y="0"/>
+          <a:ext cx="0" cy="0"/>
+          <a:chOff x="0" y="0"/>
+          <a:chExt cx="0" cy="0"/>
+        </a:xfrm>
+      </p:grpSpPr>
+      <p:sp>
+        <p:nvSpPr>
+          <p:cNvPr id="2" name="Titolo 1">
+            <a:extLst>
+              <a:ext uri="{FF2B5EF4-FFF2-40B4-BE49-F238E27FC236}">
+                <a16:creationId xmlns:a16="http://schemas.microsoft.com/office/drawing/2014/main" id="{ECA7C195-770B-4DDD-9FEC-B1573D77A712}"/>
+              </a:ext>
+            </a:extLst>
+          </p:cNvPr>
+          <p:cNvSpPr>
+            <a:spLocks noGrp="1"/>
+          </p:cNvSpPr>
+          <p:nvPr>
+            <p:ph type="title"/>
+          </p:nvPr>
+        </p:nvSpPr>
+        <p:spPr/>
+        <p:txBody>
+          <a:bodyPr/>
+          <a:lstStyle/>
+          <a:p>
+            <a:r>
+              <a:rPr lang="it-IT" dirty="0" err="1"/>
+              <a:t>Candlesticks</a:t>
+            </a:r>
+            <a:endParaRPr lang="it-IT" dirty="0"/>
+          </a:p>
+        </p:txBody>
+      </p:sp>
+      <p:pic>
+        <p:nvPicPr>
+          <p:cNvPr id="5" name="Segnaposto contenuto 4" descr="Immagine che contiene testo, orologio, calibro&#10;&#10;Descrizione generata automaticamente">
+            <a:extLst>
+              <a:ext uri="{FF2B5EF4-FFF2-40B4-BE49-F238E27FC236}">
+                <a16:creationId xmlns:a16="http://schemas.microsoft.com/office/drawing/2014/main" id="{FA99E1A7-3CAC-41E6-B22E-069AEAAB66F7}"/>
+              </a:ext>
+            </a:extLst>
+          </p:cNvPr>
+          <p:cNvPicPr>
+            <a:picLocks noGrp="1" noChangeAspect="1"/>
+          </p:cNvPicPr>
+          <p:nvPr>
+            <p:ph idx="1"/>
+          </p:nvPr>
+        </p:nvPicPr>
+        <p:blipFill>
+          <a:blip r:embed="rId2">
+            <a:extLst>
+              <a:ext uri="{28A0092B-C50C-407E-A947-70E740481C1C}">
+                <a14:useLocalDpi xmlns:a14="http://schemas.microsoft.com/office/drawing/2010/main" val="0"/>
+              </a:ext>
+            </a:extLst>
+          </a:blip>
+          <a:stretch>
+            <a:fillRect/>
+          </a:stretch>
+        </p:blipFill>
+        <p:spPr>
+          <a:xfrm>
+            <a:off x="6960096" y="620688"/>
+            <a:ext cx="4291232" cy="1752638"/>
+          </a:xfrm>
+          <a:prstGeom prst="rect">
+            <a:avLst/>
+          </a:prstGeom>
+          <a:ln>
+            <a:noFill/>
+          </a:ln>
+          <a:effectLst>
+            <a:outerShdw blurRad="292100" dist="139700" dir="2700000" algn="tl" rotWithShape="0">
+              <a:srgbClr val="333333">
+                <a:alpha val="65000"/>
+              </a:srgbClr>
+            </a:outerShdw>
+          </a:effectLst>
+        </p:spPr>
+      </p:pic>
+    </p:spTree>
+    <p:extLst>
+      <p:ext uri="{BB962C8B-B14F-4D97-AF65-F5344CB8AC3E}">
+        <p14:creationId xmlns:p14="http://schemas.microsoft.com/office/powerpoint/2010/main" val="2348668707"/>
+      </p:ext>
+    </p:extLst>
+  </p:cSld>
+  <p:clrMapOvr>
+    <a:masterClrMapping/>
+  </p:clrMapOvr>
+</p:sld>
+</file>
+
+<file path=ppt/slides/slide11.xml><?xml version="1.0" encoding="utf-8"?>
 <p:sld xmlns:a="http://schemas.openxmlformats.org/drawingml/2006/main" xmlns:r="http://schemas.openxmlformats.org/officeDocument/2006/relationships" xmlns:p="http://schemas.openxmlformats.org/presentationml/2006/main">
   <p:cSld>
     <p:spTree>
@@ -4174,7 +4229,7 @@
                       <m:sSub>
                         <m:sSubPr>
                           <m:ctrlPr>
-                            <a:rPr lang="it-IT" sz="1500" b="0" i="1" smtClean="0">
+                            <a:rPr lang="it-IT" b="0" i="1" smtClean="0">
                               <a:solidFill>
                                 <a:schemeClr val="tx1"/>
                               </a:solidFill>
@@ -4184,7 +4239,7 @@
                         </m:sSubPr>
                         <m:e>
                           <m:r>
-                            <a:rPr lang="it-IT" sz="1500" b="0" i="1" smtClean="0">
+                            <a:rPr lang="it-IT" b="0" i="1" smtClean="0">
                               <a:solidFill>
                                 <a:schemeClr val="tx1"/>
                               </a:solidFill>
@@ -4195,7 +4250,7 @@
                         </m:e>
                         <m:sub>
                           <m:r>
-                            <a:rPr lang="it-IT" sz="1500" b="0" i="1" smtClean="0">
+                            <a:rPr lang="it-IT" b="0" i="1" smtClean="0">
                               <a:solidFill>
                                 <a:schemeClr val="tx1"/>
                               </a:solidFill>
@@ -4206,7 +4261,7 @@
                         </m:sub>
                       </m:sSub>
                       <m:r>
-                        <a:rPr lang="it-IT" sz="1500" b="0" i="1" smtClean="0">
+                        <a:rPr lang="it-IT" b="0" i="1" smtClean="0">
                           <a:solidFill>
                             <a:schemeClr val="tx1"/>
                           </a:solidFill>
@@ -4217,7 +4272,7 @@
                       <m:f>
                         <m:fPr>
                           <m:ctrlPr>
-                            <a:rPr lang="it-IT" sz="1500" b="0" i="1" smtClean="0">
+                            <a:rPr lang="it-IT" b="0" i="1" smtClean="0">
                               <a:solidFill>
                                 <a:schemeClr val="tx1"/>
                               </a:solidFill>
@@ -4229,7 +4284,7 @@
                           <m:sSub>
                             <m:sSubPr>
                               <m:ctrlPr>
-                                <a:rPr lang="it-IT" sz="1500" b="0" i="1" smtClean="0">
+                                <a:rPr lang="it-IT" b="0" i="1" smtClean="0">
                                   <a:solidFill>
                                     <a:schemeClr val="tx1"/>
                                   </a:solidFill>
@@ -4239,7 +4294,7 @@
                             </m:sSubPr>
                             <m:e>
                               <m:r>
-                                <a:rPr lang="it-IT" sz="1500" b="0" i="1" smtClean="0">
+                                <a:rPr lang="it-IT" b="0" i="1" smtClean="0">
                                   <a:solidFill>
                                     <a:schemeClr val="tx1"/>
                                   </a:solidFill>
@@ -4250,7 +4305,7 @@
                             </m:e>
                             <m:sub>
                               <m:r>
-                                <a:rPr lang="it-IT" sz="1500" b="0" i="1" smtClean="0">
+                                <a:rPr lang="it-IT" b="0" i="1" smtClean="0">
                                   <a:solidFill>
                                     <a:schemeClr val="tx1"/>
                                   </a:solidFill>
@@ -4265,7 +4320,7 @@
                           <m:sSub>
                             <m:sSubPr>
                               <m:ctrlPr>
-                                <a:rPr lang="it-IT" sz="1500" b="0" i="1" smtClean="0">
+                                <a:rPr lang="it-IT" b="0" i="1" smtClean="0">
                                   <a:solidFill>
                                     <a:schemeClr val="tx1"/>
                                   </a:solidFill>
@@ -4275,7 +4330,7 @@
                             </m:sSubPr>
                             <m:e>
                               <m:r>
-                                <a:rPr lang="it-IT" sz="1500" b="0" i="1" smtClean="0">
+                                <a:rPr lang="it-IT" b="0" i="1" smtClean="0">
                                   <a:solidFill>
                                     <a:schemeClr val="tx1"/>
                                   </a:solidFill>
@@ -4286,7 +4341,7 @@
                             </m:e>
                             <m:sub>
                               <m:r>
-                                <a:rPr lang="it-IT" sz="1500" b="0" i="1" smtClean="0">
+                                <a:rPr lang="it-IT" b="0" i="1" smtClean="0">
                                   <a:solidFill>
                                     <a:schemeClr val="tx1"/>
                                   </a:solidFill>
@@ -4295,7 +4350,7 @@
                                 <m:t>𝑡</m:t>
                               </m:r>
                               <m:r>
-                                <a:rPr lang="it-IT" sz="1500" b="0" i="1" smtClean="0">
+                                <a:rPr lang="it-IT" b="0" i="1" smtClean="0">
                                   <a:solidFill>
                                     <a:schemeClr val="tx1"/>
                                   </a:solidFill>
@@ -4308,7 +4363,7 @@
                         </m:den>
                       </m:f>
                       <m:r>
-                        <a:rPr lang="it-IT" sz="1500" b="0" i="1" smtClean="0">
+                        <a:rPr lang="it-IT" b="0" i="1" smtClean="0">
                           <a:solidFill>
                             <a:schemeClr val="tx1"/>
                           </a:solidFill>
@@ -4319,7 +4374,7 @@
                     </m:oMath>
                   </m:oMathPara>
                 </a14:m>
-                <a:endParaRPr lang="en-US" sz="1500" dirty="0">
+                <a:endParaRPr lang="en-US" dirty="0">
                   <a:solidFill>
                     <a:schemeClr val="tx1"/>
                   </a:solidFill>
@@ -4440,7 +4495,7 @@
                       <m:sSub>
                         <m:sSubPr>
                           <m:ctrlPr>
-                            <a:rPr lang="it-IT" sz="1500" b="0" i="1" smtClean="0">
+                            <a:rPr lang="it-IT" b="0" i="1" smtClean="0">
                               <a:solidFill>
                                 <a:srgbClr val="836967"/>
                               </a:solidFill>
@@ -4450,7 +4505,7 @@
                         </m:sSubPr>
                         <m:e>
                           <m:r>
-                            <a:rPr lang="it-IT" sz="1500" b="0" i="1" smtClean="0">
+                            <a:rPr lang="it-IT" b="0" i="1" smtClean="0">
                               <a:latin typeface="Cambria Math" panose="02040503050406030204" pitchFamily="18" charset="0"/>
                             </a:rPr>
                             <m:t>𝑐</m:t>
@@ -4458,7 +4513,7 @@
                         </m:e>
                         <m:sub>
                           <m:r>
-                            <a:rPr lang="it-IT" sz="1500" b="0" i="1" smtClean="0">
+                            <a:rPr lang="it-IT" b="0" i="1" smtClean="0">
                               <a:latin typeface="Cambria Math" panose="02040503050406030204" pitchFamily="18" charset="0"/>
                             </a:rPr>
                             <m:t>𝑡</m:t>
@@ -4466,7 +4521,7 @@
                         </m:sub>
                       </m:sSub>
                       <m:r>
-                        <a:rPr lang="it-IT" sz="1500" b="0" i="1" smtClean="0">
+                        <a:rPr lang="it-IT" b="0" i="1" smtClean="0">
                           <a:latin typeface="Cambria Math" panose="02040503050406030204" pitchFamily="18" charset="0"/>
                         </a:rPr>
                         <m:t>=</m:t>
@@ -4474,7 +4529,7 @@
                       <m:d>
                         <m:dPr>
                           <m:ctrlPr>
-                            <a:rPr lang="it-IT" sz="1500" b="0" i="1" smtClean="0">
+                            <a:rPr lang="it-IT" b="0" i="1" smtClean="0">
                               <a:solidFill>
                                 <a:srgbClr val="836967"/>
                               </a:solidFill>
@@ -4484,7 +4539,7 @@
                         </m:dPr>
                         <m:e>
                           <m:r>
-                            <a:rPr lang="it-IT" sz="1500" b="0" i="1" smtClean="0">
+                            <a:rPr lang="it-IT" b="0" i="1" smtClean="0">
                               <a:latin typeface="Cambria Math" panose="02040503050406030204" pitchFamily="18" charset="0"/>
                             </a:rPr>
                             <m:t>1+</m:t>
@@ -4492,7 +4547,7 @@
                           <m:sSub>
                             <m:sSubPr>
                               <m:ctrlPr>
-                                <a:rPr lang="it-IT" sz="1500" b="0" i="1" smtClean="0">
+                                <a:rPr lang="it-IT" b="0" i="1" smtClean="0">
                                   <a:solidFill>
                                     <a:srgbClr val="836967"/>
                                   </a:solidFill>
@@ -4502,7 +4557,7 @@
                             </m:sSubPr>
                             <m:e>
                               <m:r>
-                                <a:rPr lang="it-IT" sz="1500" b="0" i="1" smtClean="0">
+                                <a:rPr lang="it-IT" b="0" i="1" smtClean="0">
                                   <a:latin typeface="Cambria Math" panose="02040503050406030204" pitchFamily="18" charset="0"/>
                                 </a:rPr>
                                 <m:t>𝑟</m:t>
@@ -4510,7 +4565,7 @@
                             </m:e>
                             <m:sub>
                               <m:r>
-                                <a:rPr lang="it-IT" sz="1500" b="0" i="1" smtClean="0">
+                                <a:rPr lang="it-IT" b="0" i="1" smtClean="0">
                                   <a:latin typeface="Cambria Math" panose="02040503050406030204" pitchFamily="18" charset="0"/>
                                 </a:rPr>
                                 <m:t>𝑡</m:t>
@@ -4522,7 +4577,7 @@
                       <m:sSub>
                         <m:sSubPr>
                           <m:ctrlPr>
-                            <a:rPr lang="it-IT" sz="1500" b="0" i="1" smtClean="0">
+                            <a:rPr lang="it-IT" b="0" i="1" smtClean="0">
                               <a:solidFill>
                                 <a:srgbClr val="836967"/>
                               </a:solidFill>
@@ -4532,7 +4587,7 @@
                         </m:sSubPr>
                         <m:e>
                           <m:r>
-                            <a:rPr lang="it-IT" sz="1500" b="0" i="1" smtClean="0">
+                            <a:rPr lang="it-IT" b="0" i="1" smtClean="0">
                               <a:latin typeface="Cambria Math" panose="02040503050406030204" pitchFamily="18" charset="0"/>
                             </a:rPr>
                             <m:t>𝑐</m:t>
@@ -4540,13 +4595,13 @@
                         </m:e>
                         <m:sub>
                           <m:r>
-                            <a:rPr lang="it-IT" sz="1500" b="0" i="1" smtClean="0">
+                            <a:rPr lang="it-IT" b="0" i="1" smtClean="0">
                               <a:latin typeface="Cambria Math" panose="02040503050406030204" pitchFamily="18" charset="0"/>
                             </a:rPr>
                             <m:t>𝑡</m:t>
                           </m:r>
                           <m:r>
-                            <a:rPr lang="it-IT" sz="1500" b="0" i="1" smtClean="0">
+                            <a:rPr lang="it-IT" b="0" i="1" smtClean="0">
                               <a:latin typeface="Cambria Math" panose="02040503050406030204" pitchFamily="18" charset="0"/>
                             </a:rPr>
                             <m:t>−1</m:t>
@@ -4627,7 +4682,7 @@
 </p:sld>
 </file>
 
-<file path=ppt/slides/slide11.xml><?xml version="1.0" encoding="utf-8"?>
+<file path=ppt/slides/slide12.xml><?xml version="1.0" encoding="utf-8"?>
 <p:sld xmlns:a="http://schemas.openxmlformats.org/drawingml/2006/main" xmlns:r="http://schemas.openxmlformats.org/officeDocument/2006/relationships" xmlns:p="http://schemas.openxmlformats.org/presentationml/2006/main">
   <p:cSld>
     <p:spTree>
@@ -4929,192 +4984,12 @@
           <a:effectLst>
             <a:reflection blurRad="12700" stA="38000" endPos="28000" dist="5000" dir="5400000" sy="-100000" algn="bl" rotWithShape="0"/>
           </a:effectLst>
-          <a:extLst>
-            <a:ext uri="{909E8E84-426E-40DD-AFC4-6F175D3DCCD1}">
-              <a14:hiddenFill xmlns:a14="http://schemas.microsoft.com/office/drawing/2010/main">
-                <a:solidFill>
-                  <a:srgbClr val="FFFFFF"/>
-                </a:solidFill>
-              </a14:hiddenFill>
-            </a:ext>
-          </a:extLst>
         </p:spPr>
       </p:pic>
     </p:spTree>
     <p:extLst>
       <p:ext uri="{BB962C8B-B14F-4D97-AF65-F5344CB8AC3E}">
         <p14:creationId xmlns:p14="http://schemas.microsoft.com/office/powerpoint/2010/main" val="1950837937"/>
-      </p:ext>
-    </p:extLst>
-  </p:cSld>
-  <p:clrMapOvr>
-    <a:masterClrMapping/>
-  </p:clrMapOvr>
-  <p:transition spd="slow">
-    <p:cover/>
-  </p:transition>
-</p:sld>
-</file>
-
-<file path=ppt/slides/slide12.xml><?xml version="1.0" encoding="utf-8"?>
-<p:sld xmlns:a="http://schemas.openxmlformats.org/drawingml/2006/main" xmlns:r="http://schemas.openxmlformats.org/officeDocument/2006/relationships" xmlns:p="http://schemas.openxmlformats.org/presentationml/2006/main">
-  <p:cSld>
-    <p:spTree>
-      <p:nvGrpSpPr>
-        <p:cNvPr id="1" name=""/>
-        <p:cNvGrpSpPr/>
-        <p:nvPr/>
-      </p:nvGrpSpPr>
-      <p:grpSpPr>
-        <a:xfrm>
-          <a:off x="0" y="0"/>
-          <a:ext cx="0" cy="0"/>
-          <a:chOff x="0" y="0"/>
-          <a:chExt cx="0" cy="0"/>
-        </a:xfrm>
-      </p:grpSpPr>
-      <p:sp>
-        <p:nvSpPr>
-          <p:cNvPr id="2" name="Titolo 1">
-            <a:extLst>
-              <a:ext uri="{FF2B5EF4-FFF2-40B4-BE49-F238E27FC236}">
-                <a16:creationId xmlns:a16="http://schemas.microsoft.com/office/drawing/2014/main" id="{A02D28E0-B144-4A85-9874-032B7F9D7BFF}"/>
-              </a:ext>
-            </a:extLst>
-          </p:cNvPr>
-          <p:cNvSpPr>
-            <a:spLocks noGrp="1"/>
-          </p:cNvSpPr>
-          <p:nvPr>
-            <p:ph type="title"/>
-          </p:nvPr>
-        </p:nvSpPr>
-        <p:spPr/>
-        <p:txBody>
-          <a:bodyPr/>
-          <a:lstStyle/>
-          <a:p>
-            <a:r>
-              <a:rPr lang="it-IT" dirty="0" err="1"/>
-              <a:t>Epochs</a:t>
-            </a:r>
-            <a:r>
-              <a:rPr lang="it-IT" dirty="0"/>
-              <a:t>=20 and </a:t>
-            </a:r>
-            <a:r>
-              <a:rPr lang="it-IT" dirty="0" err="1"/>
-              <a:t>batch_size</a:t>
-            </a:r>
-            <a:r>
-              <a:rPr lang="it-IT" dirty="0"/>
-              <a:t>=16</a:t>
-            </a:r>
-            <a:br>
-              <a:rPr lang="it-IT" dirty="0"/>
-            </a:br>
-            <a:r>
-              <a:rPr lang="it-IT" dirty="0" err="1"/>
-              <a:t>Ethereum</a:t>
-            </a:r>
-            <a:endParaRPr lang="it-IT" dirty="0"/>
-          </a:p>
-        </p:txBody>
-      </p:sp>
-      <p:pic>
-        <p:nvPicPr>
-          <p:cNvPr id="5" name="Immagine 4">
-            <a:extLst>
-              <a:ext uri="{FF2B5EF4-FFF2-40B4-BE49-F238E27FC236}">
-                <a16:creationId xmlns:a16="http://schemas.microsoft.com/office/drawing/2014/main" id="{45EF0650-FA0B-4F2A-9862-C481258BBFCD}"/>
-              </a:ext>
-            </a:extLst>
-          </p:cNvPr>
-          <p:cNvPicPr>
-            <a:picLocks noChangeAspect="1"/>
-          </p:cNvPicPr>
-          <p:nvPr/>
-        </p:nvPicPr>
-        <p:blipFill>
-          <a:blip r:embed="rId2">
-            <a:extLst>
-              <a:ext uri="{28A0092B-C50C-407E-A947-70E740481C1C}">
-                <a14:useLocalDpi xmlns:a14="http://schemas.microsoft.com/office/drawing/2010/main" val="0"/>
-              </a:ext>
-            </a:extLst>
-          </a:blip>
-          <a:stretch>
-            <a:fillRect/>
-          </a:stretch>
-        </p:blipFill>
-        <p:spPr>
-          <a:xfrm>
-            <a:off x="1524000" y="1621656"/>
-            <a:ext cx="7027241" cy="4302992"/>
-          </a:xfrm>
-          <a:prstGeom prst="rect">
-            <a:avLst/>
-          </a:prstGeom>
-        </p:spPr>
-      </p:pic>
-      <p:sp>
-        <p:nvSpPr>
-          <p:cNvPr id="6" name="CasellaDiTesto 5">
-            <a:extLst>
-              <a:ext uri="{FF2B5EF4-FFF2-40B4-BE49-F238E27FC236}">
-                <a16:creationId xmlns:a16="http://schemas.microsoft.com/office/drawing/2014/main" id="{95728BE4-2236-43E0-8BDC-96298C8D8D06}"/>
-              </a:ext>
-            </a:extLst>
-          </p:cNvPr>
-          <p:cNvSpPr txBox="1"/>
-          <p:nvPr/>
-        </p:nvSpPr>
-        <p:spPr>
-          <a:xfrm>
-            <a:off x="8976320" y="1600200"/>
-            <a:ext cx="2520280" cy="2031325"/>
-          </a:xfrm>
-          <a:prstGeom prst="rect">
-            <a:avLst/>
-          </a:prstGeom>
-          <a:noFill/>
-        </p:spPr>
-        <p:txBody>
-          <a:bodyPr wrap="square" rtlCol="0">
-            <a:spAutoFit/>
-          </a:bodyPr>
-          <a:lstStyle/>
-          <a:p>
-            <a:r>
-              <a:rPr lang="fr-FR" b="0" i="0" dirty="0">
-                <a:effectLst/>
-                <a:latin typeface="Courier New" panose="02070309020205020404" pitchFamily="49" charset="0"/>
-              </a:rPr>
-              <a:t>Train score: 0.00020 MSE(0.01 RMSE)</a:t>
-            </a:r>
-          </a:p>
-          <a:p>
-            <a:endParaRPr lang="fr-FR" b="0" i="0" dirty="0">
-              <a:effectLst/>
-              <a:latin typeface="Courier New" panose="02070309020205020404" pitchFamily="49" charset="0"/>
-            </a:endParaRPr>
-          </a:p>
-          <a:p>
-            <a:r>
-              <a:rPr lang="en-US" b="0" i="0" dirty="0">
-                <a:effectLst/>
-                <a:latin typeface="Courier New" panose="02070309020205020404" pitchFamily="49" charset="0"/>
-              </a:rPr>
-              <a:t>Test Score: 0.32301 MSE (0.57 RMSE)</a:t>
-            </a:r>
-            <a:endParaRPr lang="it-IT" dirty="0"/>
-          </a:p>
-        </p:txBody>
-      </p:sp>
-    </p:spTree>
-    <p:extLst>
-      <p:ext uri="{BB962C8B-B14F-4D97-AF65-F5344CB8AC3E}">
-        <p14:creationId xmlns:p14="http://schemas.microsoft.com/office/powerpoint/2010/main" val="1532211902"/>
       </p:ext>
     </p:extLst>
   </p:cSld>
@@ -5149,7 +5024,7 @@
           <p:cNvPr id="2" name="Titolo 1">
             <a:extLst>
               <a:ext uri="{FF2B5EF4-FFF2-40B4-BE49-F238E27FC236}">
-                <a16:creationId xmlns:a16="http://schemas.microsoft.com/office/drawing/2014/main" id="{8B9FEE5B-CDA4-414F-B3DA-C002AF69F15B}"/>
+                <a16:creationId xmlns:a16="http://schemas.microsoft.com/office/drawing/2014/main" id="{A02D28E0-B144-4A85-9874-032B7F9D7BFF}"/>
               </a:ext>
             </a:extLst>
           </p:cNvPr>
@@ -5160,30 +5035,53 @@
             <p:ph type="title"/>
           </p:nvPr>
         </p:nvSpPr>
-        <p:spPr/>
+        <p:spPr>
+          <a:xfrm>
+            <a:off x="407368" y="23912"/>
+            <a:ext cx="11953328" cy="763488"/>
+          </a:xfrm>
+        </p:spPr>
         <p:txBody>
           <a:bodyPr/>
           <a:lstStyle/>
           <a:p>
-            <a:endParaRPr lang="it-IT"/>
+            <a:r>
+              <a:rPr lang="it-IT" dirty="0" err="1"/>
+              <a:t>Epochs</a:t>
+            </a:r>
+            <a:r>
+              <a:rPr lang="it-IT" dirty="0"/>
+              <a:t>=20 and </a:t>
+            </a:r>
+            <a:r>
+              <a:rPr lang="it-IT" dirty="0" err="1"/>
+              <a:t>batch_size</a:t>
+            </a:r>
+            <a:r>
+              <a:rPr lang="it-IT" dirty="0"/>
+              <a:t>=16 </a:t>
+            </a:r>
+            <a:r>
+              <a:rPr lang="it-IT" dirty="0" err="1"/>
+              <a:t>Ethereum</a:t>
+            </a:r>
+            <a:endParaRPr lang="it-IT" dirty="0"/>
           </a:p>
         </p:txBody>
       </p:sp>
       <p:pic>
         <p:nvPicPr>
-          <p:cNvPr id="5" name="Segnaposto contenuto 4">
+          <p:cNvPr id="4" name="Immagine 3">
             <a:extLst>
               <a:ext uri="{FF2B5EF4-FFF2-40B4-BE49-F238E27FC236}">
-                <a16:creationId xmlns:a16="http://schemas.microsoft.com/office/drawing/2014/main" id="{DF0ECF38-45CF-4BBF-90B8-E30DE61BEAF3}"/>
+                <a16:creationId xmlns:a16="http://schemas.microsoft.com/office/drawing/2014/main" id="{AB0E57B4-DAFB-4FBD-A466-059BB21C5DD1}"/>
               </a:ext>
             </a:extLst>
           </p:cNvPr>
           <p:cNvPicPr>
-            <a:picLocks noGrp="1" noChangeAspect="1"/>
+            <a:picLocks noChangeAspect="1"/>
           </p:cNvPicPr>
-          <p:nvPr>
-            <p:ph idx="1"/>
-          </p:nvPr>
+          <p:nvPr/>
         </p:nvPicPr>
         <p:blipFill>
           <a:blip r:embed="rId2">
@@ -5199,9 +5097,1033 @@
         </p:blipFill>
         <p:spPr>
           <a:xfrm>
-            <a:off x="1524000" y="1837670"/>
-            <a:ext cx="8382533" cy="3895586"/>
+            <a:off x="532944" y="1033750"/>
+            <a:ext cx="5544616" cy="3679138"/>
           </a:xfrm>
+          <a:prstGeom prst="rect">
+            <a:avLst/>
+          </a:prstGeom>
+          <a:solidFill>
+            <a:srgbClr val="FFFFFF">
+              <a:shade val="85000"/>
+            </a:srgbClr>
+          </a:solidFill>
+          <a:ln w="88900" cap="sq">
+            <a:solidFill>
+              <a:srgbClr val="FFFFFF"/>
+            </a:solidFill>
+            <a:miter lim="800000"/>
+          </a:ln>
+          <a:effectLst>
+            <a:outerShdw blurRad="55000" dist="18000" dir="5400000" algn="tl" rotWithShape="0">
+              <a:srgbClr val="000000">
+                <a:alpha val="40000"/>
+              </a:srgbClr>
+            </a:outerShdw>
+          </a:effectLst>
+          <a:scene3d>
+            <a:camera prst="orthographicFront"/>
+            <a:lightRig rig="twoPt" dir="t">
+              <a:rot lat="0" lon="0" rev="7200000"/>
+            </a:lightRig>
+          </a:scene3d>
+          <a:sp3d>
+            <a:bevelT w="25400" h="19050"/>
+            <a:contourClr>
+              <a:srgbClr val="FFFFFF"/>
+            </a:contourClr>
+          </a:sp3d>
+        </p:spPr>
+      </p:pic>
+      <p:sp>
+        <p:nvSpPr>
+          <p:cNvPr id="8" name="CasellaDiTesto 7">
+            <a:extLst>
+              <a:ext uri="{FF2B5EF4-FFF2-40B4-BE49-F238E27FC236}">
+                <a16:creationId xmlns:a16="http://schemas.microsoft.com/office/drawing/2014/main" id="{5CDC4AF4-BDE1-484D-ADCE-42EC92948226}"/>
+              </a:ext>
+            </a:extLst>
+          </p:cNvPr>
+          <p:cNvSpPr txBox="1"/>
+          <p:nvPr/>
+        </p:nvSpPr>
+        <p:spPr>
+          <a:xfrm>
+            <a:off x="407368" y="4959239"/>
+            <a:ext cx="10657184" cy="1815882"/>
+          </a:xfrm>
+          <a:prstGeom prst="rect">
+            <a:avLst/>
+          </a:prstGeom>
+          <a:noFill/>
+        </p:spPr>
+        <p:txBody>
+          <a:bodyPr wrap="square" rtlCol="0">
+            <a:spAutoFit/>
+          </a:bodyPr>
+          <a:lstStyle/>
+          <a:p>
+            <a:r>
+              <a:rPr lang="it-IT" sz="1400" b="0" i="0" dirty="0" err="1">
+                <a:effectLst/>
+                <a:latin typeface="Courier New" panose="02070309020205020404" pitchFamily="49" charset="0"/>
+              </a:rPr>
+              <a:t>Epoch</a:t>
+            </a:r>
+            <a:r>
+              <a:rPr lang="it-IT" sz="1400" b="0" i="0" dirty="0">
+                <a:effectLst/>
+                <a:latin typeface="Courier New" panose="02070309020205020404" pitchFamily="49" charset="0"/>
+              </a:rPr>
+              <a:t> 00011: </a:t>
+            </a:r>
+            <a:r>
+              <a:rPr lang="it-IT" sz="1400" b="0" i="0" dirty="0" err="1">
+                <a:effectLst/>
+                <a:latin typeface="Courier New" panose="02070309020205020404" pitchFamily="49" charset="0"/>
+              </a:rPr>
+              <a:t>val_loss</a:t>
+            </a:r>
+            <a:r>
+              <a:rPr lang="it-IT" sz="1400" b="0" i="0" dirty="0">
+                <a:effectLst/>
+                <a:latin typeface="Courier New" panose="02070309020205020404" pitchFamily="49" charset="0"/>
+              </a:rPr>
+              <a:t> </a:t>
+            </a:r>
+            <a:r>
+              <a:rPr lang="it-IT" sz="1400" b="0" i="0" dirty="0" err="1">
+                <a:effectLst/>
+                <a:latin typeface="Courier New" panose="02070309020205020404" pitchFamily="49" charset="0"/>
+              </a:rPr>
+              <a:t>did</a:t>
+            </a:r>
+            <a:r>
+              <a:rPr lang="it-IT" sz="1400" b="0" i="0" dirty="0">
+                <a:effectLst/>
+                <a:latin typeface="Courier New" panose="02070309020205020404" pitchFamily="49" charset="0"/>
+              </a:rPr>
+              <a:t> </a:t>
+            </a:r>
+            <a:r>
+              <a:rPr lang="it-IT" sz="1400" b="0" i="0" dirty="0" err="1">
+                <a:effectLst/>
+                <a:latin typeface="Courier New" panose="02070309020205020404" pitchFamily="49" charset="0"/>
+              </a:rPr>
+              <a:t>not</a:t>
+            </a:r>
+            <a:r>
+              <a:rPr lang="it-IT" sz="1400" b="0" i="0" dirty="0">
+                <a:effectLst/>
+                <a:latin typeface="Courier New" panose="02070309020205020404" pitchFamily="49" charset="0"/>
+              </a:rPr>
+              <a:t> </a:t>
+            </a:r>
+            <a:r>
+              <a:rPr lang="it-IT" sz="1400" b="0" i="0" dirty="0" err="1">
+                <a:effectLst/>
+                <a:latin typeface="Courier New" panose="02070309020205020404" pitchFamily="49" charset="0"/>
+              </a:rPr>
+              <a:t>improve</a:t>
+            </a:r>
+            <a:r>
+              <a:rPr lang="it-IT" sz="1400" b="0" i="0" dirty="0">
+                <a:effectLst/>
+                <a:latin typeface="Courier New" panose="02070309020205020404" pitchFamily="49" charset="0"/>
+              </a:rPr>
+              <a:t> from 0.27811 </a:t>
+            </a:r>
+          </a:p>
+          <a:p>
+            <a:r>
+              <a:rPr lang="it-IT" sz="1400" b="0" i="0" dirty="0">
+                <a:effectLst/>
+                <a:latin typeface="Courier New" panose="02070309020205020404" pitchFamily="49" charset="0"/>
+              </a:rPr>
+              <a:t>61/61 [==============================] - 68s 1s/step - </a:t>
+            </a:r>
+            <a:r>
+              <a:rPr lang="it-IT" sz="1400" b="0" i="0" dirty="0" err="1">
+                <a:effectLst/>
+                <a:latin typeface="Courier New" panose="02070309020205020404" pitchFamily="49" charset="0"/>
+              </a:rPr>
+              <a:t>loss</a:t>
+            </a:r>
+            <a:r>
+              <a:rPr lang="it-IT" sz="1400" b="0" i="0" dirty="0">
+                <a:effectLst/>
+                <a:latin typeface="Courier New" panose="02070309020205020404" pitchFamily="49" charset="0"/>
+              </a:rPr>
+              <a:t>: 2.6506e-04 - </a:t>
+            </a:r>
+            <a:r>
+              <a:rPr lang="it-IT" sz="1400" b="0" i="0" dirty="0" err="1">
+                <a:effectLst/>
+                <a:latin typeface="Courier New" panose="02070309020205020404" pitchFamily="49" charset="0"/>
+              </a:rPr>
+              <a:t>mean_squared_error</a:t>
+            </a:r>
+            <a:r>
+              <a:rPr lang="it-IT" sz="1400" b="0" i="0" dirty="0">
+                <a:effectLst/>
+                <a:latin typeface="Courier New" panose="02070309020205020404" pitchFamily="49" charset="0"/>
+              </a:rPr>
+              <a:t>: 2.6506e-04 - </a:t>
+            </a:r>
+            <a:r>
+              <a:rPr lang="it-IT" sz="1400" b="0" i="0" dirty="0" err="1">
+                <a:effectLst/>
+                <a:latin typeface="Courier New" panose="02070309020205020404" pitchFamily="49" charset="0"/>
+              </a:rPr>
+              <a:t>val_loss</a:t>
+            </a:r>
+            <a:r>
+              <a:rPr lang="it-IT" sz="1400" b="0" i="0" dirty="0">
+                <a:effectLst/>
+                <a:latin typeface="Courier New" panose="02070309020205020404" pitchFamily="49" charset="0"/>
+              </a:rPr>
+              <a:t>: 0.3185 - </a:t>
+            </a:r>
+            <a:r>
+              <a:rPr lang="it-IT" sz="1400" b="0" i="0" dirty="0" err="1">
+                <a:effectLst/>
+                <a:latin typeface="Courier New" panose="02070309020205020404" pitchFamily="49" charset="0"/>
+              </a:rPr>
+              <a:t>val_mean_squared_error</a:t>
+            </a:r>
+            <a:r>
+              <a:rPr lang="it-IT" sz="1400" b="0" i="0" dirty="0">
+                <a:effectLst/>
+                <a:latin typeface="Courier New" panose="02070309020205020404" pitchFamily="49" charset="0"/>
+              </a:rPr>
+              <a:t>: 0.3185 </a:t>
+            </a:r>
+            <a:r>
+              <a:rPr lang="it-IT" sz="1400" b="0" i="0" dirty="0" err="1">
+                <a:effectLst/>
+                <a:latin typeface="Courier New" panose="02070309020205020404" pitchFamily="49" charset="0"/>
+              </a:rPr>
+              <a:t>Epoch</a:t>
+            </a:r>
+            <a:r>
+              <a:rPr lang="it-IT" sz="1400" b="0" i="0" dirty="0">
+                <a:effectLst/>
+                <a:latin typeface="Courier New" panose="02070309020205020404" pitchFamily="49" charset="0"/>
+              </a:rPr>
+              <a:t> 00011: </a:t>
+            </a:r>
+            <a:r>
+              <a:rPr lang="it-IT" sz="1400" b="0" i="0" dirty="0" err="1">
+                <a:effectLst/>
+                <a:latin typeface="Courier New" panose="02070309020205020404" pitchFamily="49" charset="0"/>
+              </a:rPr>
+              <a:t>early</a:t>
+            </a:r>
+            <a:r>
+              <a:rPr lang="it-IT" sz="1400" b="0" i="0" dirty="0">
+                <a:effectLst/>
+                <a:latin typeface="Courier New" panose="02070309020205020404" pitchFamily="49" charset="0"/>
+              </a:rPr>
+              <a:t> </a:t>
+            </a:r>
+            <a:r>
+              <a:rPr lang="it-IT" sz="1400" b="0" i="0" dirty="0" err="1">
+                <a:effectLst/>
+                <a:latin typeface="Courier New" panose="02070309020205020404" pitchFamily="49" charset="0"/>
+              </a:rPr>
+              <a:t>stopping</a:t>
+            </a:r>
+            <a:r>
+              <a:rPr lang="it-IT" sz="1400" b="0" i="0" dirty="0">
+                <a:effectLst/>
+                <a:latin typeface="Courier New" panose="02070309020205020404" pitchFamily="49" charset="0"/>
+              </a:rPr>
+              <a:t> 3</a:t>
+            </a:r>
+          </a:p>
+          <a:p>
+            <a:r>
+              <a:rPr lang="it-IT" sz="1400" b="0" i="0" dirty="0">
+                <a:effectLst/>
+                <a:latin typeface="Courier New" panose="02070309020205020404" pitchFamily="49" charset="0"/>
+              </a:rPr>
+              <a:t>1/31 [==============================] - 12s 393ms/step - </a:t>
+            </a:r>
+            <a:r>
+              <a:rPr lang="it-IT" sz="1400" b="0" i="0" dirty="0" err="1">
+                <a:effectLst/>
+                <a:latin typeface="Courier New" panose="02070309020205020404" pitchFamily="49" charset="0"/>
+              </a:rPr>
+              <a:t>loss</a:t>
+            </a:r>
+            <a:r>
+              <a:rPr lang="it-IT" sz="1400" b="0" i="0" dirty="0">
+                <a:effectLst/>
+                <a:latin typeface="Courier New" panose="02070309020205020404" pitchFamily="49" charset="0"/>
+              </a:rPr>
+              <a:t>: 1.4726e-04 - </a:t>
+            </a:r>
+            <a:r>
+              <a:rPr lang="it-IT" sz="1400" b="0" i="0" dirty="0" err="1">
+                <a:effectLst/>
+                <a:latin typeface="Courier New" panose="02070309020205020404" pitchFamily="49" charset="0"/>
+              </a:rPr>
+              <a:t>mean_squared_error</a:t>
+            </a:r>
+            <a:r>
+              <a:rPr lang="it-IT" sz="1400" b="0" i="0" dirty="0">
+                <a:effectLst/>
+                <a:latin typeface="Courier New" panose="02070309020205020404" pitchFamily="49" charset="0"/>
+              </a:rPr>
+              <a:t>: 1.4726e-04 </a:t>
+            </a:r>
+          </a:p>
+          <a:p>
+            <a:r>
+              <a:rPr lang="it-IT" sz="1400" b="0" i="0" dirty="0">
+                <a:effectLst/>
+                <a:latin typeface="Courier New" panose="02070309020205020404" pitchFamily="49" charset="0"/>
+              </a:rPr>
+              <a:t>Train score: 0.00015 MSE(0.01 RMSE) </a:t>
+            </a:r>
+          </a:p>
+          <a:p>
+            <a:r>
+              <a:rPr lang="it-IT" sz="1400" b="0" i="0" dirty="0">
+                <a:effectLst/>
+                <a:latin typeface="Courier New" panose="02070309020205020404" pitchFamily="49" charset="0"/>
+              </a:rPr>
+              <a:t>2/2 [==============================] - 1s 311ms/step - </a:t>
+            </a:r>
+            <a:r>
+              <a:rPr lang="it-IT" sz="1400" b="0" i="0" dirty="0" err="1">
+                <a:effectLst/>
+                <a:latin typeface="Courier New" panose="02070309020205020404" pitchFamily="49" charset="0"/>
+              </a:rPr>
+              <a:t>loss</a:t>
+            </a:r>
+            <a:r>
+              <a:rPr lang="it-IT" sz="1400" b="0" i="0" dirty="0">
+                <a:effectLst/>
+                <a:latin typeface="Courier New" panose="02070309020205020404" pitchFamily="49" charset="0"/>
+              </a:rPr>
+              <a:t>: 0.3185 - </a:t>
+            </a:r>
+            <a:r>
+              <a:rPr lang="it-IT" sz="1400" b="0" i="0" dirty="0" err="1">
+                <a:effectLst/>
+                <a:latin typeface="Courier New" panose="02070309020205020404" pitchFamily="49" charset="0"/>
+              </a:rPr>
+              <a:t>mean_squared_error</a:t>
+            </a:r>
+            <a:r>
+              <a:rPr lang="it-IT" sz="1400" b="0" i="0" dirty="0">
+                <a:effectLst/>
+                <a:latin typeface="Courier New" panose="02070309020205020404" pitchFamily="49" charset="0"/>
+              </a:rPr>
+              <a:t>: 0.3185 Test Score: 0.31846 MSE (0.56 RMSE)</a:t>
+            </a:r>
+            <a:endParaRPr lang="it-IT" sz="1400" dirty="0"/>
+          </a:p>
+        </p:txBody>
+      </p:sp>
+      <p:pic>
+        <p:nvPicPr>
+          <p:cNvPr id="10" name="Immagine 9">
+            <a:extLst>
+              <a:ext uri="{FF2B5EF4-FFF2-40B4-BE49-F238E27FC236}">
+                <a16:creationId xmlns:a16="http://schemas.microsoft.com/office/drawing/2014/main" id="{A593A052-9649-4EDD-B280-CBCD3A33911C}"/>
+              </a:ext>
+            </a:extLst>
+          </p:cNvPr>
+          <p:cNvPicPr>
+            <a:picLocks noChangeAspect="1"/>
+          </p:cNvPicPr>
+          <p:nvPr/>
+        </p:nvPicPr>
+        <p:blipFill>
+          <a:blip r:embed="rId3">
+            <a:extLst>
+              <a:ext uri="{28A0092B-C50C-407E-A947-70E740481C1C}">
+                <a14:useLocalDpi xmlns:a14="http://schemas.microsoft.com/office/drawing/2010/main" val="0"/>
+              </a:ext>
+            </a:extLst>
+          </a:blip>
+          <a:stretch>
+            <a:fillRect/>
+          </a:stretch>
+        </p:blipFill>
+        <p:spPr>
+          <a:xfrm>
+            <a:off x="6078944" y="1340768"/>
+            <a:ext cx="5633734" cy="2800988"/>
+          </a:xfrm>
+          <a:prstGeom prst="rect">
+            <a:avLst/>
+          </a:prstGeom>
+        </p:spPr>
+      </p:pic>
+    </p:spTree>
+    <p:extLst>
+      <p:ext uri="{BB962C8B-B14F-4D97-AF65-F5344CB8AC3E}">
+        <p14:creationId xmlns:p14="http://schemas.microsoft.com/office/powerpoint/2010/main" val="1532211902"/>
+      </p:ext>
+    </p:extLst>
+  </p:cSld>
+  <p:clrMapOvr>
+    <a:masterClrMapping/>
+  </p:clrMapOvr>
+  <p:transition spd="slow">
+    <p:cover/>
+  </p:transition>
+</p:sld>
+</file>
+
+<file path=ppt/slides/slide14.xml><?xml version="1.0" encoding="utf-8"?>
+<p:sld xmlns:a="http://schemas.openxmlformats.org/drawingml/2006/main" xmlns:r="http://schemas.openxmlformats.org/officeDocument/2006/relationships" xmlns:p="http://schemas.openxmlformats.org/presentationml/2006/main">
+  <p:cSld>
+    <p:spTree>
+      <p:nvGrpSpPr>
+        <p:cNvPr id="1" name=""/>
+        <p:cNvGrpSpPr/>
+        <p:nvPr/>
+      </p:nvGrpSpPr>
+      <p:grpSpPr>
+        <a:xfrm>
+          <a:off x="0" y="0"/>
+          <a:ext cx="0" cy="0"/>
+          <a:chOff x="0" y="0"/>
+          <a:chExt cx="0" cy="0"/>
+        </a:xfrm>
+      </p:grpSpPr>
+      <p:sp>
+        <p:nvSpPr>
+          <p:cNvPr id="2" name="Titolo 1">
+            <a:extLst>
+              <a:ext uri="{FF2B5EF4-FFF2-40B4-BE49-F238E27FC236}">
+                <a16:creationId xmlns:a16="http://schemas.microsoft.com/office/drawing/2014/main" id="{8B9FEE5B-CDA4-414F-B3DA-C002AF69F15B}"/>
+              </a:ext>
+            </a:extLst>
+          </p:cNvPr>
+          <p:cNvSpPr>
+            <a:spLocks noGrp="1"/>
+          </p:cNvSpPr>
+          <p:nvPr>
+            <p:ph type="title"/>
+          </p:nvPr>
+        </p:nvSpPr>
+        <p:spPr>
+          <a:xfrm>
+            <a:off x="563425" y="-98214"/>
+            <a:ext cx="10104575" cy="1143000"/>
+          </a:xfrm>
+        </p:spPr>
+        <p:txBody>
+          <a:bodyPr/>
+          <a:lstStyle/>
+          <a:p>
+            <a:r>
+              <a:rPr lang="it-IT" dirty="0" err="1"/>
+              <a:t>Epochs</a:t>
+            </a:r>
+            <a:r>
+              <a:rPr lang="it-IT" dirty="0"/>
+              <a:t>=20 and </a:t>
+            </a:r>
+            <a:r>
+              <a:rPr lang="it-IT" dirty="0" err="1"/>
+              <a:t>batch_size</a:t>
+            </a:r>
+            <a:r>
+              <a:rPr lang="it-IT" dirty="0"/>
+              <a:t>=16 </a:t>
+            </a:r>
+            <a:r>
+              <a:rPr lang="it-IT" dirty="0" err="1"/>
+              <a:t>Ripple</a:t>
+            </a:r>
+            <a:endParaRPr lang="it-IT" dirty="0"/>
+          </a:p>
+        </p:txBody>
+      </p:sp>
+      <p:sp>
+        <p:nvSpPr>
+          <p:cNvPr id="4" name="Segnaposto contenuto 3">
+            <a:extLst>
+              <a:ext uri="{FF2B5EF4-FFF2-40B4-BE49-F238E27FC236}">
+                <a16:creationId xmlns:a16="http://schemas.microsoft.com/office/drawing/2014/main" id="{244344FC-9A1E-4D63-86A9-B9FD7C6B72DE}"/>
+              </a:ext>
+            </a:extLst>
+          </p:cNvPr>
+          <p:cNvSpPr>
+            <a:spLocks noGrp="1"/>
+          </p:cNvSpPr>
+          <p:nvPr>
+            <p:ph idx="1"/>
+          </p:nvPr>
+        </p:nvSpPr>
+        <p:spPr>
+          <a:xfrm>
+            <a:off x="563425" y="4959543"/>
+            <a:ext cx="11344835" cy="1370856"/>
+          </a:xfrm>
+        </p:spPr>
+        <p:txBody>
+          <a:bodyPr>
+            <a:noAutofit/>
+          </a:bodyPr>
+          <a:lstStyle/>
+          <a:p>
+            <a:pPr marL="0" indent="0">
+              <a:lnSpc>
+                <a:spcPct val="100000"/>
+              </a:lnSpc>
+              <a:spcBef>
+                <a:spcPts val="200"/>
+              </a:spcBef>
+              <a:buNone/>
+            </a:pPr>
+            <a:r>
+              <a:rPr lang="it-IT" sz="1400" b="0" i="0" dirty="0" err="1">
+                <a:solidFill>
+                  <a:schemeClr val="tx1"/>
+                </a:solidFill>
+                <a:effectLst/>
+                <a:latin typeface="Courier New" panose="02070309020205020404" pitchFamily="49" charset="0"/>
+              </a:rPr>
+              <a:t>Epoch</a:t>
+            </a:r>
+            <a:r>
+              <a:rPr lang="it-IT" sz="1400" b="0" i="0" dirty="0">
+                <a:solidFill>
+                  <a:schemeClr val="tx1"/>
+                </a:solidFill>
+                <a:effectLst/>
+                <a:latin typeface="Courier New" panose="02070309020205020404" pitchFamily="49" charset="0"/>
+              </a:rPr>
+              <a:t> 00012: </a:t>
+            </a:r>
+            <a:r>
+              <a:rPr lang="it-IT" sz="1400" b="0" i="0" dirty="0" err="1">
+                <a:solidFill>
+                  <a:schemeClr val="tx1"/>
+                </a:solidFill>
+                <a:effectLst/>
+                <a:latin typeface="Courier New" panose="02070309020205020404" pitchFamily="49" charset="0"/>
+              </a:rPr>
+              <a:t>val_loss</a:t>
+            </a:r>
+            <a:r>
+              <a:rPr lang="it-IT" sz="1400" b="0" i="0" dirty="0">
+                <a:solidFill>
+                  <a:schemeClr val="tx1"/>
+                </a:solidFill>
+                <a:effectLst/>
+                <a:latin typeface="Courier New" panose="02070309020205020404" pitchFamily="49" charset="0"/>
+              </a:rPr>
+              <a:t> </a:t>
+            </a:r>
+            <a:r>
+              <a:rPr lang="it-IT" sz="1400" b="0" i="0" dirty="0" err="1">
+                <a:solidFill>
+                  <a:schemeClr val="tx1"/>
+                </a:solidFill>
+                <a:effectLst/>
+                <a:latin typeface="Courier New" panose="02070309020205020404" pitchFamily="49" charset="0"/>
+              </a:rPr>
+              <a:t>did</a:t>
+            </a:r>
+            <a:r>
+              <a:rPr lang="it-IT" sz="1400" b="0" i="0" dirty="0">
+                <a:solidFill>
+                  <a:schemeClr val="tx1"/>
+                </a:solidFill>
+                <a:effectLst/>
+                <a:latin typeface="Courier New" panose="02070309020205020404" pitchFamily="49" charset="0"/>
+              </a:rPr>
+              <a:t> </a:t>
+            </a:r>
+            <a:r>
+              <a:rPr lang="it-IT" sz="1400" b="0" i="0" dirty="0" err="1">
+                <a:solidFill>
+                  <a:schemeClr val="tx1"/>
+                </a:solidFill>
+                <a:effectLst/>
+                <a:latin typeface="Courier New" panose="02070309020205020404" pitchFamily="49" charset="0"/>
+              </a:rPr>
+              <a:t>not</a:t>
+            </a:r>
+            <a:r>
+              <a:rPr lang="it-IT" sz="1400" b="0" i="0" dirty="0">
+                <a:solidFill>
+                  <a:schemeClr val="tx1"/>
+                </a:solidFill>
+                <a:effectLst/>
+                <a:latin typeface="Courier New" panose="02070309020205020404" pitchFamily="49" charset="0"/>
+              </a:rPr>
+              <a:t> </a:t>
+            </a:r>
+            <a:r>
+              <a:rPr lang="it-IT" sz="1400" b="0" i="0" dirty="0" err="1">
+                <a:solidFill>
+                  <a:schemeClr val="tx1"/>
+                </a:solidFill>
+                <a:effectLst/>
+                <a:latin typeface="Courier New" panose="02070309020205020404" pitchFamily="49" charset="0"/>
+              </a:rPr>
+              <a:t>improve</a:t>
+            </a:r>
+            <a:r>
+              <a:rPr lang="it-IT" sz="1400" b="0" i="0" dirty="0">
+                <a:solidFill>
+                  <a:schemeClr val="tx1"/>
+                </a:solidFill>
+                <a:effectLst/>
+                <a:latin typeface="Courier New" panose="02070309020205020404" pitchFamily="49" charset="0"/>
+              </a:rPr>
+              <a:t> from 0.03142 61/61 [==============================] - 76s 1s/step - </a:t>
+            </a:r>
+            <a:r>
+              <a:rPr lang="it-IT" sz="1400" b="0" i="0" dirty="0" err="1">
+                <a:solidFill>
+                  <a:schemeClr val="tx1"/>
+                </a:solidFill>
+                <a:effectLst/>
+                <a:latin typeface="Courier New" panose="02070309020205020404" pitchFamily="49" charset="0"/>
+              </a:rPr>
+              <a:t>loss</a:t>
+            </a:r>
+            <a:r>
+              <a:rPr lang="it-IT" sz="1400" b="0" i="0" dirty="0">
+                <a:solidFill>
+                  <a:schemeClr val="tx1"/>
+                </a:solidFill>
+                <a:effectLst/>
+                <a:latin typeface="Courier New" panose="02070309020205020404" pitchFamily="49" charset="0"/>
+              </a:rPr>
+              <a:t>: 8.6573e-04 - </a:t>
+            </a:r>
+            <a:r>
+              <a:rPr lang="it-IT" sz="1400" b="0" i="0" dirty="0" err="1">
+                <a:solidFill>
+                  <a:schemeClr val="tx1"/>
+                </a:solidFill>
+                <a:effectLst/>
+                <a:latin typeface="Courier New" panose="02070309020205020404" pitchFamily="49" charset="0"/>
+              </a:rPr>
+              <a:t>mean_squared_error</a:t>
+            </a:r>
+            <a:r>
+              <a:rPr lang="it-IT" sz="1400" b="0" i="0" dirty="0">
+                <a:solidFill>
+                  <a:schemeClr val="tx1"/>
+                </a:solidFill>
+                <a:effectLst/>
+                <a:latin typeface="Courier New" panose="02070309020205020404" pitchFamily="49" charset="0"/>
+              </a:rPr>
+              <a:t>: 8.6573e-04 - </a:t>
+            </a:r>
+            <a:r>
+              <a:rPr lang="it-IT" sz="1400" b="0" i="0" dirty="0" err="1">
+                <a:solidFill>
+                  <a:schemeClr val="tx1"/>
+                </a:solidFill>
+                <a:effectLst/>
+                <a:latin typeface="Courier New" panose="02070309020205020404" pitchFamily="49" charset="0"/>
+              </a:rPr>
+              <a:t>val_loss</a:t>
+            </a:r>
+            <a:r>
+              <a:rPr lang="it-IT" sz="1400" b="0" i="0" dirty="0">
+                <a:solidFill>
+                  <a:schemeClr val="tx1"/>
+                </a:solidFill>
+                <a:effectLst/>
+                <a:latin typeface="Courier New" panose="02070309020205020404" pitchFamily="49" charset="0"/>
+              </a:rPr>
+              <a:t>: 0.0546 - </a:t>
+            </a:r>
+            <a:r>
+              <a:rPr lang="it-IT" sz="1400" b="0" i="0" dirty="0" err="1">
+                <a:solidFill>
+                  <a:schemeClr val="tx1"/>
+                </a:solidFill>
+                <a:effectLst/>
+                <a:latin typeface="Courier New" panose="02070309020205020404" pitchFamily="49" charset="0"/>
+              </a:rPr>
+              <a:t>val_mean_squared_error</a:t>
+            </a:r>
+            <a:r>
+              <a:rPr lang="it-IT" sz="1400" b="0" i="0" dirty="0">
+                <a:solidFill>
+                  <a:schemeClr val="tx1"/>
+                </a:solidFill>
+                <a:effectLst/>
+                <a:latin typeface="Courier New" panose="02070309020205020404" pitchFamily="49" charset="0"/>
+              </a:rPr>
+              <a:t>: 0.0546 </a:t>
+            </a:r>
+            <a:r>
+              <a:rPr lang="it-IT" sz="1400" b="0" i="0" dirty="0" err="1">
+                <a:solidFill>
+                  <a:schemeClr val="tx1"/>
+                </a:solidFill>
+                <a:effectLst/>
+                <a:latin typeface="Courier New" panose="02070309020205020404" pitchFamily="49" charset="0"/>
+              </a:rPr>
+              <a:t>Epoch</a:t>
+            </a:r>
+            <a:r>
+              <a:rPr lang="it-IT" sz="1400" b="0" i="0" dirty="0">
+                <a:solidFill>
+                  <a:schemeClr val="tx1"/>
+                </a:solidFill>
+                <a:effectLst/>
+                <a:latin typeface="Courier New" panose="02070309020205020404" pitchFamily="49" charset="0"/>
+              </a:rPr>
+              <a:t> 00012: </a:t>
+            </a:r>
+            <a:r>
+              <a:rPr lang="it-IT" sz="1400" b="0" i="0" dirty="0" err="1">
+                <a:solidFill>
+                  <a:schemeClr val="tx1"/>
+                </a:solidFill>
+                <a:effectLst/>
+                <a:latin typeface="Courier New" panose="02070309020205020404" pitchFamily="49" charset="0"/>
+              </a:rPr>
+              <a:t>early</a:t>
+            </a:r>
+            <a:r>
+              <a:rPr lang="it-IT" sz="1400" b="0" i="0" dirty="0">
+                <a:solidFill>
+                  <a:schemeClr val="tx1"/>
+                </a:solidFill>
+                <a:effectLst/>
+                <a:latin typeface="Courier New" panose="02070309020205020404" pitchFamily="49" charset="0"/>
+              </a:rPr>
+              <a:t> </a:t>
+            </a:r>
+            <a:r>
+              <a:rPr lang="it-IT" sz="1400" b="0" i="0" dirty="0" err="1">
+                <a:solidFill>
+                  <a:schemeClr val="tx1"/>
+                </a:solidFill>
+                <a:effectLst/>
+                <a:latin typeface="Courier New" panose="02070309020205020404" pitchFamily="49" charset="0"/>
+              </a:rPr>
+              <a:t>stopping</a:t>
+            </a:r>
+            <a:r>
+              <a:rPr lang="it-IT" sz="1400" b="0" i="0" dirty="0">
+                <a:solidFill>
+                  <a:schemeClr val="tx1"/>
+                </a:solidFill>
+                <a:effectLst/>
+                <a:latin typeface="Courier New" panose="02070309020205020404" pitchFamily="49" charset="0"/>
+              </a:rPr>
+              <a:t> </a:t>
+            </a:r>
+          </a:p>
+          <a:p>
+            <a:pPr marL="0" indent="0">
+              <a:lnSpc>
+                <a:spcPct val="100000"/>
+              </a:lnSpc>
+              <a:spcBef>
+                <a:spcPts val="200"/>
+              </a:spcBef>
+              <a:buNone/>
+            </a:pPr>
+            <a:r>
+              <a:rPr lang="it-IT" sz="1400" b="0" i="0" dirty="0">
+                <a:solidFill>
+                  <a:schemeClr val="tx1"/>
+                </a:solidFill>
+                <a:effectLst/>
+                <a:latin typeface="Courier New" panose="02070309020205020404" pitchFamily="49" charset="0"/>
+              </a:rPr>
+              <a:t>31/31 [==============================] - 13s 405ms/step - </a:t>
+            </a:r>
+            <a:r>
+              <a:rPr lang="it-IT" sz="1400" b="0" i="0" dirty="0" err="1">
+                <a:solidFill>
+                  <a:schemeClr val="tx1"/>
+                </a:solidFill>
+                <a:effectLst/>
+                <a:latin typeface="Courier New" panose="02070309020205020404" pitchFamily="49" charset="0"/>
+              </a:rPr>
+              <a:t>loss</a:t>
+            </a:r>
+            <a:r>
+              <a:rPr lang="it-IT" sz="1400" b="0" i="0" dirty="0">
+                <a:solidFill>
+                  <a:schemeClr val="tx1"/>
+                </a:solidFill>
+                <a:effectLst/>
+                <a:latin typeface="Courier New" panose="02070309020205020404" pitchFamily="49" charset="0"/>
+              </a:rPr>
+              <a:t>: 9.8039e-04 - </a:t>
+            </a:r>
+            <a:r>
+              <a:rPr lang="it-IT" sz="1400" b="0" i="0" dirty="0" err="1">
+                <a:solidFill>
+                  <a:schemeClr val="tx1"/>
+                </a:solidFill>
+                <a:effectLst/>
+                <a:latin typeface="Courier New" panose="02070309020205020404" pitchFamily="49" charset="0"/>
+              </a:rPr>
+              <a:t>mean_squared_error</a:t>
+            </a:r>
+            <a:r>
+              <a:rPr lang="it-IT" sz="1400" b="0" i="0" dirty="0">
+                <a:solidFill>
+                  <a:schemeClr val="tx1"/>
+                </a:solidFill>
+                <a:effectLst/>
+                <a:latin typeface="Courier New" panose="02070309020205020404" pitchFamily="49" charset="0"/>
+              </a:rPr>
+              <a:t>: 9.8039e-04 </a:t>
+            </a:r>
+          </a:p>
+          <a:p>
+            <a:pPr marL="0" indent="0">
+              <a:lnSpc>
+                <a:spcPct val="100000"/>
+              </a:lnSpc>
+              <a:spcBef>
+                <a:spcPts val="200"/>
+              </a:spcBef>
+              <a:buNone/>
+            </a:pPr>
+            <a:r>
+              <a:rPr lang="it-IT" sz="1400" b="0" i="0" dirty="0">
+                <a:solidFill>
+                  <a:schemeClr val="tx1"/>
+                </a:solidFill>
+                <a:effectLst/>
+                <a:latin typeface="Courier New" panose="02070309020205020404" pitchFamily="49" charset="0"/>
+              </a:rPr>
+              <a:t>Train score: 0.00098 MSE(0.03 RMSE) </a:t>
+            </a:r>
+          </a:p>
+          <a:p>
+            <a:pPr marL="0" indent="0">
+              <a:lnSpc>
+                <a:spcPct val="100000"/>
+              </a:lnSpc>
+              <a:spcBef>
+                <a:spcPts val="200"/>
+              </a:spcBef>
+              <a:buNone/>
+            </a:pPr>
+            <a:r>
+              <a:rPr lang="it-IT" sz="1400" b="0" i="0" dirty="0">
+                <a:solidFill>
+                  <a:schemeClr val="tx1"/>
+                </a:solidFill>
+                <a:effectLst/>
+                <a:latin typeface="Courier New" panose="02070309020205020404" pitchFamily="49" charset="0"/>
+              </a:rPr>
+              <a:t>2/2 [==============================] - 1s 312ms/step - </a:t>
+            </a:r>
+            <a:r>
+              <a:rPr lang="it-IT" sz="1400" b="0" i="0" dirty="0" err="1">
+                <a:solidFill>
+                  <a:schemeClr val="tx1"/>
+                </a:solidFill>
+                <a:effectLst/>
+                <a:latin typeface="Courier New" panose="02070309020205020404" pitchFamily="49" charset="0"/>
+              </a:rPr>
+              <a:t>loss</a:t>
+            </a:r>
+            <a:r>
+              <a:rPr lang="it-IT" sz="1400" b="0" i="0" dirty="0">
+                <a:solidFill>
+                  <a:schemeClr val="tx1"/>
+                </a:solidFill>
+                <a:effectLst/>
+                <a:latin typeface="Courier New" panose="02070309020205020404" pitchFamily="49" charset="0"/>
+              </a:rPr>
+              <a:t>: 0.0546 - </a:t>
+            </a:r>
+            <a:r>
+              <a:rPr lang="it-IT" sz="1400" b="0" i="0" dirty="0" err="1">
+                <a:solidFill>
+                  <a:schemeClr val="tx1"/>
+                </a:solidFill>
+                <a:effectLst/>
+                <a:latin typeface="Courier New" panose="02070309020205020404" pitchFamily="49" charset="0"/>
+              </a:rPr>
+              <a:t>mean_squared_error</a:t>
+            </a:r>
+            <a:r>
+              <a:rPr lang="it-IT" sz="1400" b="0" i="0" dirty="0">
+                <a:solidFill>
+                  <a:schemeClr val="tx1"/>
+                </a:solidFill>
+                <a:effectLst/>
+                <a:latin typeface="Courier New" panose="02070309020205020404" pitchFamily="49" charset="0"/>
+              </a:rPr>
+              <a:t>: 0.0546 </a:t>
+            </a:r>
+          </a:p>
+          <a:p>
+            <a:pPr marL="0" indent="0">
+              <a:lnSpc>
+                <a:spcPct val="100000"/>
+              </a:lnSpc>
+              <a:spcBef>
+                <a:spcPts val="200"/>
+              </a:spcBef>
+              <a:buNone/>
+            </a:pPr>
+            <a:r>
+              <a:rPr lang="it-IT" sz="1400" b="0" i="0" dirty="0">
+                <a:solidFill>
+                  <a:schemeClr val="tx1"/>
+                </a:solidFill>
+                <a:effectLst/>
+                <a:latin typeface="Courier New" panose="02070309020205020404" pitchFamily="49" charset="0"/>
+              </a:rPr>
+              <a:t>Test Score: 0.05458 MSE (0.23 RMSE)</a:t>
+            </a:r>
+            <a:endParaRPr lang="it-IT" sz="1400" dirty="0">
+              <a:solidFill>
+                <a:schemeClr val="tx1"/>
+              </a:solidFill>
+            </a:endParaRPr>
+          </a:p>
+        </p:txBody>
+      </p:sp>
+      <p:pic>
+        <p:nvPicPr>
+          <p:cNvPr id="7" name="Immagine 6">
+            <a:extLst>
+              <a:ext uri="{FF2B5EF4-FFF2-40B4-BE49-F238E27FC236}">
+                <a16:creationId xmlns:a16="http://schemas.microsoft.com/office/drawing/2014/main" id="{94356ACA-AB49-41DD-B621-6B838BD8A8F1}"/>
+              </a:ext>
+            </a:extLst>
+          </p:cNvPr>
+          <p:cNvPicPr>
+            <a:picLocks noChangeAspect="1"/>
+          </p:cNvPicPr>
+          <p:nvPr/>
+        </p:nvPicPr>
+        <p:blipFill>
+          <a:blip r:embed="rId2">
+            <a:extLst>
+              <a:ext uri="{28A0092B-C50C-407E-A947-70E740481C1C}">
+                <a14:useLocalDpi xmlns:a14="http://schemas.microsoft.com/office/drawing/2010/main" val="0"/>
+              </a:ext>
+            </a:extLst>
+          </a:blip>
+          <a:stretch>
+            <a:fillRect/>
+          </a:stretch>
+        </p:blipFill>
+        <p:spPr>
+          <a:xfrm>
+            <a:off x="6252059" y="1494944"/>
+            <a:ext cx="5656201" cy="2834528"/>
+          </a:xfrm>
+          <a:prstGeom prst="rect">
+            <a:avLst/>
+          </a:prstGeom>
+          <a:solidFill>
+            <a:srgbClr val="FFFFFF">
+              <a:shade val="85000"/>
+            </a:srgbClr>
+          </a:solidFill>
+          <a:ln w="190500" cap="rnd">
+            <a:solidFill>
+              <a:srgbClr val="FFFFFF"/>
+            </a:solidFill>
+          </a:ln>
+          <a:effectLst>
+            <a:outerShdw blurRad="50000" algn="tl" rotWithShape="0">
+              <a:srgbClr val="000000">
+                <a:alpha val="41000"/>
+              </a:srgbClr>
+            </a:outerShdw>
+          </a:effectLst>
+          <a:scene3d>
+            <a:camera prst="orthographicFront"/>
+            <a:lightRig rig="twoPt" dir="t">
+              <a:rot lat="0" lon="0" rev="7800000"/>
+            </a:lightRig>
+          </a:scene3d>
+          <a:sp3d contourW="6350">
+            <a:bevelT w="50800" h="16510"/>
+            <a:contourClr>
+              <a:srgbClr val="C0C0C0"/>
+            </a:contourClr>
+          </a:sp3d>
+        </p:spPr>
+      </p:pic>
+      <p:pic>
+        <p:nvPicPr>
+          <p:cNvPr id="9" name="Immagine 8">
+            <a:extLst>
+              <a:ext uri="{FF2B5EF4-FFF2-40B4-BE49-F238E27FC236}">
+                <a16:creationId xmlns:a16="http://schemas.microsoft.com/office/drawing/2014/main" id="{BFC3A875-2C11-4374-B304-9465BF8568FF}"/>
+              </a:ext>
+            </a:extLst>
+          </p:cNvPr>
+          <p:cNvPicPr>
+            <a:picLocks noChangeAspect="1"/>
+          </p:cNvPicPr>
+          <p:nvPr/>
+        </p:nvPicPr>
+        <p:blipFill>
+          <a:blip r:embed="rId3">
+            <a:extLst>
+              <a:ext uri="{28A0092B-C50C-407E-A947-70E740481C1C}">
+                <a14:useLocalDpi xmlns:a14="http://schemas.microsoft.com/office/drawing/2010/main" val="0"/>
+              </a:ext>
+            </a:extLst>
+          </a:blip>
+          <a:stretch>
+            <a:fillRect/>
+          </a:stretch>
+        </p:blipFill>
+        <p:spPr>
+          <a:xfrm>
+            <a:off x="635534" y="1404525"/>
+            <a:ext cx="5316449" cy="3527738"/>
+          </a:xfrm>
+          <a:prstGeom prst="rect">
+            <a:avLst/>
+          </a:prstGeom>
+          <a:solidFill>
+            <a:srgbClr val="FFFFFF">
+              <a:shade val="85000"/>
+            </a:srgbClr>
+          </a:solidFill>
+          <a:ln w="88900" cap="sq">
+            <a:solidFill>
+              <a:srgbClr val="FFFFFF"/>
+            </a:solidFill>
+            <a:miter lim="800000"/>
+          </a:ln>
+          <a:effectLst>
+            <a:outerShdw blurRad="55000" dist="18000" dir="5400000" algn="tl" rotWithShape="0">
+              <a:srgbClr val="000000">
+                <a:alpha val="40000"/>
+              </a:srgbClr>
+            </a:outerShdw>
+          </a:effectLst>
+          <a:scene3d>
+            <a:camera prst="orthographicFront"/>
+            <a:lightRig rig="twoPt" dir="t">
+              <a:rot lat="0" lon="0" rev="7200000"/>
+            </a:lightRig>
+          </a:scene3d>
+          <a:sp3d>
+            <a:bevelT w="25400" h="19050"/>
+            <a:contourClr>
+              <a:srgbClr val="FFFFFF"/>
+            </a:contourClr>
+          </a:sp3d>
         </p:spPr>
       </p:pic>
     </p:spTree>
@@ -5220,7 +6142,87 @@
 </p:sld>
 </file>
 
-<file path=ppt/slides/slide14.xml><?xml version="1.0" encoding="utf-8"?>
+<file path=ppt/slides/slide15.xml><?xml version="1.0" encoding="utf-8"?>
+<p:sld xmlns:a="http://schemas.openxmlformats.org/drawingml/2006/main" xmlns:r="http://schemas.openxmlformats.org/officeDocument/2006/relationships" xmlns:p="http://schemas.openxmlformats.org/presentationml/2006/main">
+  <p:cSld>
+    <p:spTree>
+      <p:nvGrpSpPr>
+        <p:cNvPr id="1" name=""/>
+        <p:cNvGrpSpPr/>
+        <p:nvPr/>
+      </p:nvGrpSpPr>
+      <p:grpSpPr>
+        <a:xfrm>
+          <a:off x="0" y="0"/>
+          <a:ext cx="0" cy="0"/>
+          <a:chOff x="0" y="0"/>
+          <a:chExt cx="0" cy="0"/>
+        </a:xfrm>
+      </p:grpSpPr>
+      <p:sp>
+        <p:nvSpPr>
+          <p:cNvPr id="2" name="Titolo 1">
+            <a:extLst>
+              <a:ext uri="{FF2B5EF4-FFF2-40B4-BE49-F238E27FC236}">
+                <a16:creationId xmlns:a16="http://schemas.microsoft.com/office/drawing/2014/main" id="{E0744A99-CFB5-4474-A5C5-1D4736B75ECB}"/>
+              </a:ext>
+            </a:extLst>
+          </p:cNvPr>
+          <p:cNvSpPr>
+            <a:spLocks noGrp="1"/>
+          </p:cNvSpPr>
+          <p:nvPr>
+            <p:ph type="title"/>
+          </p:nvPr>
+        </p:nvSpPr>
+        <p:spPr/>
+        <p:txBody>
+          <a:bodyPr/>
+          <a:lstStyle/>
+          <a:p>
+            <a:endParaRPr lang="it-IT"/>
+          </a:p>
+        </p:txBody>
+      </p:sp>
+      <p:sp>
+        <p:nvSpPr>
+          <p:cNvPr id="3" name="Segnaposto contenuto 2">
+            <a:extLst>
+              <a:ext uri="{FF2B5EF4-FFF2-40B4-BE49-F238E27FC236}">
+                <a16:creationId xmlns:a16="http://schemas.microsoft.com/office/drawing/2014/main" id="{DB2244E1-0B0E-4E90-A51E-8BC34234569A}"/>
+              </a:ext>
+            </a:extLst>
+          </p:cNvPr>
+          <p:cNvSpPr>
+            <a:spLocks noGrp="1"/>
+          </p:cNvSpPr>
+          <p:nvPr>
+            <p:ph idx="1"/>
+          </p:nvPr>
+        </p:nvSpPr>
+        <p:spPr/>
+        <p:txBody>
+          <a:bodyPr/>
+          <a:lstStyle/>
+          <a:p>
+            <a:endParaRPr lang="it-IT"/>
+          </a:p>
+        </p:txBody>
+      </p:sp>
+    </p:spTree>
+    <p:extLst>
+      <p:ext uri="{BB962C8B-B14F-4D97-AF65-F5344CB8AC3E}">
+        <p14:creationId xmlns:p14="http://schemas.microsoft.com/office/powerpoint/2010/main" val="1073751315"/>
+      </p:ext>
+    </p:extLst>
+  </p:cSld>
+  <p:clrMapOvr>
+    <a:masterClrMapping/>
+  </p:clrMapOvr>
+</p:sld>
+</file>
+
+<file path=ppt/slides/slide16.xml><?xml version="1.0" encoding="utf-8"?>
 <p:sld xmlns:a="http://schemas.openxmlformats.org/drawingml/2006/main" xmlns:r="http://schemas.openxmlformats.org/officeDocument/2006/relationships" xmlns:p="http://schemas.openxmlformats.org/presentationml/2006/main">
   <p:cSld>
     <p:spTree>
@@ -5312,6 +6314,116 @@
 </p:sld>
 </file>
 
+<file path=ppt/slides/slide17.xml><?xml version="1.0" encoding="utf-8"?>
+<p:sld xmlns:a="http://schemas.openxmlformats.org/drawingml/2006/main" xmlns:r="http://schemas.openxmlformats.org/officeDocument/2006/relationships" xmlns:p="http://schemas.openxmlformats.org/presentationml/2006/main">
+  <p:cSld>
+    <p:spTree>
+      <p:nvGrpSpPr>
+        <p:cNvPr id="1" name=""/>
+        <p:cNvGrpSpPr/>
+        <p:nvPr/>
+      </p:nvGrpSpPr>
+      <p:grpSpPr>
+        <a:xfrm>
+          <a:off x="0" y="0"/>
+          <a:ext cx="0" cy="0"/>
+          <a:chOff x="0" y="0"/>
+          <a:chExt cx="0" cy="0"/>
+        </a:xfrm>
+      </p:grpSpPr>
+      <p:sp>
+        <p:nvSpPr>
+          <p:cNvPr id="2" name="Titolo 1">
+            <a:extLst>
+              <a:ext uri="{FF2B5EF4-FFF2-40B4-BE49-F238E27FC236}">
+                <a16:creationId xmlns:a16="http://schemas.microsoft.com/office/drawing/2014/main" id="{E0DB8DFB-0F43-472A-AFEB-B7F7B9534EDE}"/>
+              </a:ext>
+            </a:extLst>
+          </p:cNvPr>
+          <p:cNvSpPr>
+            <a:spLocks noGrp="1"/>
+          </p:cNvSpPr>
+          <p:nvPr>
+            <p:ph type="title"/>
+          </p:nvPr>
+        </p:nvSpPr>
+        <p:spPr/>
+        <p:txBody>
+          <a:bodyPr/>
+          <a:lstStyle/>
+          <a:p>
+            <a:r>
+              <a:rPr lang="it-IT" dirty="0" err="1"/>
+              <a:t>References</a:t>
+            </a:r>
+            <a:endParaRPr lang="it-IT" dirty="0"/>
+          </a:p>
+        </p:txBody>
+      </p:sp>
+      <p:sp>
+        <p:nvSpPr>
+          <p:cNvPr id="3" name="Segnaposto contenuto 2">
+            <a:extLst>
+              <a:ext uri="{FF2B5EF4-FFF2-40B4-BE49-F238E27FC236}">
+                <a16:creationId xmlns:a16="http://schemas.microsoft.com/office/drawing/2014/main" id="{65CE441E-C4A8-43EE-A527-4133EF4D9B9E}"/>
+              </a:ext>
+            </a:extLst>
+          </p:cNvPr>
+          <p:cNvSpPr>
+            <a:spLocks noGrp="1"/>
+          </p:cNvSpPr>
+          <p:nvPr>
+            <p:ph idx="1"/>
+          </p:nvPr>
+        </p:nvSpPr>
+        <p:spPr/>
+        <p:txBody>
+          <a:bodyPr/>
+          <a:lstStyle/>
+          <a:p>
+            <a:r>
+              <a:rPr lang="it-IT" dirty="0"/>
+              <a:t>How to </a:t>
+            </a:r>
+            <a:r>
+              <a:rPr lang="it-IT" dirty="0" err="1"/>
+              <a:t>read</a:t>
+            </a:r>
+            <a:r>
+              <a:rPr lang="it-IT" dirty="0"/>
+              <a:t> </a:t>
+            </a:r>
+            <a:r>
+              <a:rPr lang="it-IT" dirty="0" err="1"/>
+              <a:t>candlesticks</a:t>
+            </a:r>
+            <a:r>
+              <a:rPr lang="it-IT" dirty="0"/>
+              <a:t>, </a:t>
+            </a:r>
+            <a:r>
+              <a:rPr lang="it-IT" dirty="0">
+                <a:hlinkClick r:id="rId2"/>
+              </a:rPr>
+              <a:t>link</a:t>
+            </a:r>
+            <a:endParaRPr lang="it-IT" dirty="0"/>
+          </a:p>
+        </p:txBody>
+      </p:sp>
+    </p:spTree>
+    <p:extLst>
+      <p:ext uri="{BB962C8B-B14F-4D97-AF65-F5344CB8AC3E}">
+        <p14:creationId xmlns:p14="http://schemas.microsoft.com/office/powerpoint/2010/main" val="403559150"/>
+      </p:ext>
+    </p:extLst>
+  </p:cSld>
+  <p:clrMapOvr>
+    <a:masterClrMapping/>
+  </p:clrMapOvr>
+</p:sld>
+</file>
+
 <file path=ppt/slides/slide2.xml><?xml version="1.0" encoding="utf-8"?>
 <p:sld xmlns:a="http://schemas.openxmlformats.org/drawingml/2006/main" xmlns:r="http://schemas.openxmlformats.org/officeDocument/2006/relationships" xmlns:p="http://schemas.openxmlformats.org/presentationml/2006/main">
   <p:cSld>
@@ -5495,6 +6607,25 @@
               <a:rPr lang="it-IT" dirty="0"/>
               <a:t>LSTM</a:t>
             </a:r>
+          </a:p>
+          <a:p>
+            <a:pPr lvl="1"/>
+            <a:r>
+              <a:rPr lang="it-IT" dirty="0" err="1"/>
+              <a:t>livelossplot</a:t>
+            </a:r>
+            <a:r>
+              <a:rPr lang="it-IT" dirty="0"/>
+              <a:t> API</a:t>
+            </a:r>
+          </a:p>
+          <a:p>
+            <a:pPr lvl="1"/>
+            <a:endParaRPr lang="it-IT" dirty="0"/>
+          </a:p>
+          <a:p>
+            <a:pPr lvl="1"/>
+            <a:endParaRPr lang="it-IT" dirty="0"/>
           </a:p>
           <a:p>
             <a:pPr rtl="0"/>
@@ -5549,7 +6680,7 @@
         </p:nvSpPr>
         <p:spPr>
           <a:xfrm>
-            <a:off x="3822546" y="2852936"/>
+            <a:off x="3431704" y="2843935"/>
             <a:ext cx="5328592" cy="1152128"/>
           </a:xfrm>
           <a:prstGeom prst="ellipse">
@@ -5620,7 +6751,7 @@
         </p:blipFill>
         <p:spPr bwMode="auto">
           <a:xfrm>
-            <a:off x="1420649" y="1136052"/>
+            <a:off x="2174148" y="906358"/>
             <a:ext cx="2515111" cy="1414750"/>
           </a:xfrm>
           <a:prstGeom prst="roundRect">
@@ -5639,15 +6770,6 @@
           <a:effectLst>
             <a:reflection blurRad="12700" stA="38000" endPos="28000" dist="5000" dir="5400000" sy="-100000" algn="bl" rotWithShape="0"/>
           </a:effectLst>
-          <a:extLst>
-            <a:ext uri="{909E8E84-426E-40DD-AFC4-6F175D3DCCD1}">
-              <a14:hiddenFill xmlns:a14="http://schemas.microsoft.com/office/drawing/2010/main">
-                <a:solidFill>
-                  <a:srgbClr val="FFFFFF"/>
-                </a:solidFill>
-              </a14:hiddenFill>
-            </a:ext>
-          </a:extLst>
         </p:spPr>
       </p:pic>
       <p:pic>
@@ -5679,7 +6801,7 @@
         </p:blipFill>
         <p:spPr bwMode="auto">
           <a:xfrm>
-            <a:off x="8882266" y="1052108"/>
+            <a:off x="7860376" y="850850"/>
             <a:ext cx="1799840" cy="1525766"/>
           </a:xfrm>
           <a:prstGeom prst="roundRect">
@@ -5698,15 +6820,6 @@
           <a:effectLst>
             <a:reflection blurRad="12700" stA="38000" endPos="28000" dist="5000" dir="5400000" sy="-100000" algn="bl" rotWithShape="0"/>
           </a:effectLst>
-          <a:extLst>
-            <a:ext uri="{909E8E84-426E-40DD-AFC4-6F175D3DCCD1}">
-              <a14:hiddenFill xmlns:a14="http://schemas.microsoft.com/office/drawing/2010/main">
-                <a:solidFill>
-                  <a:srgbClr val="FFFFFF"/>
-                </a:solidFill>
-              </a14:hiddenFill>
-            </a:ext>
-          </a:extLst>
         </p:spPr>
       </p:pic>
       <p:pic>
@@ -5738,7 +6851,7 @@
         </p:blipFill>
         <p:spPr bwMode="auto">
           <a:xfrm>
-            <a:off x="450200" y="4289196"/>
+            <a:off x="493032" y="4137398"/>
             <a:ext cx="2938672" cy="1152128"/>
           </a:xfrm>
           <a:prstGeom prst="roundRect">
@@ -5757,15 +6870,6 @@
           <a:effectLst>
             <a:reflection blurRad="12700" stA="38000" endPos="28000" dist="5000" dir="5400000" sy="-100000" algn="bl" rotWithShape="0"/>
           </a:effectLst>
-          <a:extLst>
-            <a:ext uri="{909E8E84-426E-40DD-AFC4-6F175D3DCCD1}">
-              <a14:hiddenFill xmlns:a14="http://schemas.microsoft.com/office/drawing/2010/main">
-                <a:solidFill>
-                  <a:srgbClr val="FFFFFF"/>
-                </a:solidFill>
-              </a14:hiddenFill>
-            </a:ext>
-          </a:extLst>
         </p:spPr>
       </p:pic>
       <p:pic>
@@ -5797,7 +6901,7 @@
         </p:blipFill>
         <p:spPr bwMode="auto">
           <a:xfrm>
-            <a:off x="5534342" y="4500660"/>
+            <a:off x="5143500" y="4488824"/>
             <a:ext cx="1905000" cy="1905000"/>
           </a:xfrm>
           <a:prstGeom prst="ellipse">
@@ -5867,7 +6971,7 @@
         </p:blipFill>
         <p:spPr bwMode="auto">
           <a:xfrm>
-            <a:off x="9782186" y="3991071"/>
+            <a:off x="8803128" y="3892384"/>
             <a:ext cx="1945751" cy="1945751"/>
           </a:xfrm>
           <a:prstGeom prst="ellipse">
@@ -5908,8 +7012,8 @@
           </a:extLst>
         </p:spPr>
       </p:pic>
-      <mc:AlternateContent xmlns:mc="http://schemas.openxmlformats.org/markup-compatibility/2006">
-        <mc:Choice xmlns:p14="http://schemas.microsoft.com/office/powerpoint/2010/main" Requires="p14">
+      <mc:AlternateContent xmlns:mc="http://schemas.openxmlformats.org/markup-compatibility/2006" xmlns:p14="http://schemas.microsoft.com/office/powerpoint/2010/main">
+        <mc:Choice Requires="p14">
           <p:contentPart p14:bwMode="auto" r:id="rId7">
             <p14:nvContentPartPr>
               <p14:cNvPr id="6" name="Input penna 5">
@@ -5928,7 +7032,7 @@
             </p14:xfrm>
           </p:contentPart>
         </mc:Choice>
-        <mc:Fallback>
+        <mc:Fallback xmlns="">
           <p:pic>
             <p:nvPicPr>
               <p:cNvPr id="6" name="Input penna 5">
@@ -5950,159 +7054,6 @@
             <p:spPr>
               <a:xfrm>
                 <a:off x="12660600" y="2876680"/>
-                <a:ext cx="18000" cy="18000"/>
-              </a:xfrm>
-              <a:prstGeom prst="rect">
-                <a:avLst/>
-              </a:prstGeom>
-            </p:spPr>
-          </p:pic>
-        </mc:Fallback>
-      </mc:AlternateContent>
-      <mc:AlternateContent xmlns:mc="http://schemas.openxmlformats.org/markup-compatibility/2006">
-        <mc:Choice xmlns:p14="http://schemas.microsoft.com/office/powerpoint/2010/main" Requires="p14">
-          <p:contentPart p14:bwMode="auto" r:id="rId9">
-            <p14:nvContentPartPr>
-              <p14:cNvPr id="7" name="Input penna 6">
-                <a:extLst>
-                  <a:ext uri="{FF2B5EF4-FFF2-40B4-BE49-F238E27FC236}">
-                    <a16:creationId xmlns:a16="http://schemas.microsoft.com/office/drawing/2014/main" id="{8B8914EA-27E8-47DE-8DCC-D317DBA4A9AF}"/>
-                  </a:ext>
-                </a:extLst>
-              </p14:cNvPr>
-              <p14:cNvContentPartPr/>
-              <p14:nvPr/>
-            </p14:nvContentPartPr>
-            <p14:xfrm>
-              <a:off x="9834600" y="700840"/>
-              <a:ext cx="360" cy="360"/>
-            </p14:xfrm>
-          </p:contentPart>
-        </mc:Choice>
-        <mc:Fallback>
-          <p:pic>
-            <p:nvPicPr>
-              <p:cNvPr id="7" name="Input penna 6">
-                <a:extLst>
-                  <a:ext uri="{FF2B5EF4-FFF2-40B4-BE49-F238E27FC236}">
-                    <a16:creationId xmlns:a16="http://schemas.microsoft.com/office/drawing/2014/main" id="{8B8914EA-27E8-47DE-8DCC-D317DBA4A9AF}"/>
-                  </a:ext>
-                </a:extLst>
-              </p:cNvPr>
-              <p:cNvPicPr/>
-              <p:nvPr/>
-            </p:nvPicPr>
-            <p:blipFill>
-              <a:blip r:embed="rId8"/>
-              <a:stretch>
-                <a:fillRect/>
-              </a:stretch>
-            </p:blipFill>
-            <p:spPr>
-              <a:xfrm>
-                <a:off x="9825600" y="691840"/>
-                <a:ext cx="18000" cy="18000"/>
-              </a:xfrm>
-              <a:prstGeom prst="rect">
-                <a:avLst/>
-              </a:prstGeom>
-            </p:spPr>
-          </p:pic>
-        </mc:Fallback>
-      </mc:AlternateContent>
-      <mc:AlternateContent xmlns:mc="http://schemas.openxmlformats.org/markup-compatibility/2006">
-        <mc:Choice xmlns:p14="http://schemas.microsoft.com/office/powerpoint/2010/main" Requires="p14">
-          <p:contentPart p14:bwMode="auto" r:id="rId10">
-            <p14:nvContentPartPr>
-              <p14:cNvPr id="16" name="Input penna 15">
-                <a:extLst>
-                  <a:ext uri="{FF2B5EF4-FFF2-40B4-BE49-F238E27FC236}">
-                    <a16:creationId xmlns:a16="http://schemas.microsoft.com/office/drawing/2014/main" id="{57BEF8EC-1298-40D9-A8B0-2CEFFD8B61C9}"/>
-                  </a:ext>
-                </a:extLst>
-              </p14:cNvPr>
-              <p14:cNvContentPartPr/>
-              <p14:nvPr/>
-            </p14:nvContentPartPr>
-            <p14:xfrm>
-              <a:off x="3596520" y="2702240"/>
-              <a:ext cx="360" cy="360"/>
-            </p14:xfrm>
-          </p:contentPart>
-        </mc:Choice>
-        <mc:Fallback>
-          <p:pic>
-            <p:nvPicPr>
-              <p:cNvPr id="16" name="Input penna 15">
-                <a:extLst>
-                  <a:ext uri="{FF2B5EF4-FFF2-40B4-BE49-F238E27FC236}">
-                    <a16:creationId xmlns:a16="http://schemas.microsoft.com/office/drawing/2014/main" id="{57BEF8EC-1298-40D9-A8B0-2CEFFD8B61C9}"/>
-                  </a:ext>
-                </a:extLst>
-              </p:cNvPr>
-              <p:cNvPicPr/>
-              <p:nvPr/>
-            </p:nvPicPr>
-            <p:blipFill>
-              <a:blip r:embed="rId8"/>
-              <a:stretch>
-                <a:fillRect/>
-              </a:stretch>
-            </p:blipFill>
-            <p:spPr>
-              <a:xfrm>
-                <a:off x="3587520" y="2693600"/>
-                <a:ext cx="18000" cy="18000"/>
-              </a:xfrm>
-              <a:prstGeom prst="rect">
-                <a:avLst/>
-              </a:prstGeom>
-            </p:spPr>
-          </p:pic>
-        </mc:Fallback>
-      </mc:AlternateContent>
-      <mc:AlternateContent xmlns:mc="http://schemas.openxmlformats.org/markup-compatibility/2006">
-        <mc:Choice xmlns:p14="http://schemas.microsoft.com/office/powerpoint/2010/main" Requires="p14">
-          <p:contentPart p14:bwMode="auto" r:id="rId11">
-            <p14:nvContentPartPr>
-              <p14:cNvPr id="21" name="Input penna 20">
-                <a:extLst>
-                  <a:ext uri="{FF2B5EF4-FFF2-40B4-BE49-F238E27FC236}">
-                    <a16:creationId xmlns:a16="http://schemas.microsoft.com/office/drawing/2014/main" id="{C2B05C12-334B-4DA3-BB2A-1C79CFCBB3F3}"/>
-                  </a:ext>
-                </a:extLst>
-              </p14:cNvPr>
-              <p14:cNvContentPartPr/>
-              <p14:nvPr/>
-            </p14:nvContentPartPr>
-            <p14:xfrm>
-              <a:off x="8605200" y="1797920"/>
-              <a:ext cx="360" cy="360"/>
-            </p14:xfrm>
-          </p:contentPart>
-        </mc:Choice>
-        <mc:Fallback>
-          <p:pic>
-            <p:nvPicPr>
-              <p:cNvPr id="21" name="Input penna 20">
-                <a:extLst>
-                  <a:ext uri="{FF2B5EF4-FFF2-40B4-BE49-F238E27FC236}">
-                    <a16:creationId xmlns:a16="http://schemas.microsoft.com/office/drawing/2014/main" id="{C2B05C12-334B-4DA3-BB2A-1C79CFCBB3F3}"/>
-                  </a:ext>
-                </a:extLst>
-              </p:cNvPr>
-              <p:cNvPicPr/>
-              <p:nvPr/>
-            </p:nvPicPr>
-            <p:blipFill>
-              <a:blip r:embed="rId8"/>
-              <a:stretch>
-                <a:fillRect/>
-              </a:stretch>
-            </p:blipFill>
-            <p:spPr>
-              <a:xfrm>
-                <a:off x="8596560" y="1789280"/>
                 <a:ext cx="18000" cy="18000"/>
               </a:xfrm>
               <a:prstGeom prst="rect">
@@ -6212,37 +7163,34 @@
         </p:blipFill>
         <p:spPr>
           <a:xfrm>
-            <a:off x="335360" y="1026728"/>
+            <a:off x="2387588" y="1005664"/>
             <a:ext cx="7416824" cy="5552260"/>
           </a:xfrm>
-          <a:prstGeom prst="rect">
-            <a:avLst/>
+          <a:prstGeom prst="roundRect">
+            <a:avLst>
+              <a:gd name="adj" fmla="val 4167"/>
+            </a:avLst>
           </a:prstGeom>
           <a:solidFill>
-            <a:srgbClr val="FFFFFF">
-              <a:shade val="85000"/>
-            </a:srgbClr>
+            <a:srgbClr val="FFFFFF"/>
           </a:solidFill>
-          <a:ln w="190500" cap="rnd">
+          <a:ln w="76200" cap="sq">
             <a:solidFill>
-              <a:srgbClr val="FFFFFF"/>
+              <a:srgbClr val="EAEAEA"/>
             </a:solidFill>
+            <a:miter lim="800000"/>
           </a:ln>
           <a:effectLst>
-            <a:outerShdw blurRad="50000" algn="tl" rotWithShape="0">
-              <a:srgbClr val="000000">
-                <a:alpha val="41000"/>
-              </a:srgbClr>
-            </a:outerShdw>
+            <a:reflection blurRad="12700" stA="33000" endPos="28000" dist="5000" dir="5400000" sy="-100000" algn="bl" rotWithShape="0"/>
           </a:effectLst>
           <a:scene3d>
             <a:camera prst="orthographicFront"/>
-            <a:lightRig rig="twoPt" dir="t">
-              <a:rot lat="0" lon="0" rev="7800000"/>
+            <a:lightRig rig="threePt" dir="t">
+              <a:rot lat="0" lon="0" rev="2700000"/>
             </a:lightRig>
           </a:scene3d>
           <a:sp3d contourW="6350">
-            <a:bevelT w="50800" h="16510"/>
+            <a:bevelT h="38100"/>
             <a:contourClr>
               <a:srgbClr val="C0C0C0"/>
             </a:contourClr>
@@ -6269,8 +7217,8 @@
             <a:chExt cx="360" cy="360"/>
           </a:xfrm>
         </p:grpSpPr>
-        <mc:AlternateContent xmlns:mc="http://schemas.openxmlformats.org/markup-compatibility/2006">
-          <mc:Choice xmlns:p14="http://schemas.microsoft.com/office/powerpoint/2010/main" Requires="p14">
+        <mc:AlternateContent xmlns:mc="http://schemas.openxmlformats.org/markup-compatibility/2006" xmlns:p14="http://schemas.microsoft.com/office/powerpoint/2010/main">
+          <mc:Choice Requires="p14">
             <p:contentPart p14:bwMode="auto" r:id="rId3">
               <p14:nvContentPartPr>
                 <p14:cNvPr id="8" name="Input penna 7">
@@ -6289,7 +7237,7 @@
               </p14:xfrm>
             </p:contentPart>
           </mc:Choice>
-          <mc:Fallback>
+          <mc:Fallback xmlns="">
             <p:pic>
               <p:nvPicPr>
                 <p:cNvPr id="8" name="Input penna 7">
@@ -6320,8 +7268,8 @@
             </p:pic>
           </mc:Fallback>
         </mc:AlternateContent>
-        <mc:AlternateContent xmlns:mc="http://schemas.openxmlformats.org/markup-compatibility/2006">
-          <mc:Choice xmlns:p14="http://schemas.microsoft.com/office/powerpoint/2010/main" Requires="p14">
+        <mc:AlternateContent xmlns:mc="http://schemas.openxmlformats.org/markup-compatibility/2006" xmlns:p14="http://schemas.microsoft.com/office/powerpoint/2010/main">
+          <mc:Choice Requires="p14">
             <p:contentPart p14:bwMode="auto" r:id="rId5">
               <p14:nvContentPartPr>
                 <p14:cNvPr id="9" name="Input penna 8">
@@ -6340,7 +7288,7 @@
               </p14:xfrm>
             </p:contentPart>
           </mc:Choice>
-          <mc:Fallback>
+          <mc:Fallback xmlns="">
             <p:pic>
               <p:nvPicPr>
                 <p:cNvPr id="9" name="Input penna 8">
@@ -8782,141 +9730,6 @@
 </file>
 
 <file path=customXml/item1.xml><?xml version="1.0" encoding="utf-8"?>
-<?mso-contentType ?>
-<FormTemplates xmlns="http://schemas.microsoft.com/sharepoint/v3/contenttype/forms">
-  <Display>DocumentLibraryForm</Display>
-  <Edit>AssetEditForm</Edit>
-  <New>DocumentLibraryForm</New>
-</FormTemplates>
-</file>
-
-<file path=customXml/item2.xml><?xml version="1.0" encoding="utf-8"?>
-<p:properties xmlns:p="http://schemas.microsoft.com/office/2006/metadata/properties" xmlns:xsi="http://www.w3.org/2001/XMLSchema-instance" xmlns:pc="http://schemas.microsoft.com/office/infopath/2007/PartnerControls">
-  <documentManagement>
-    <DirectSourceMarket xmlns="4873beb7-5857-4685-be1f-d57550cc96cc" xsi:nil="true"/>
-    <ApprovalStatus xmlns="4873beb7-5857-4685-be1f-d57550cc96cc">InProgress</ApprovalStatus>
-    <MarketSpecific xmlns="4873beb7-5857-4685-be1f-d57550cc96cc">false</MarketSpecific>
-    <LocComments xmlns="4873beb7-5857-4685-be1f-d57550cc96cc" xsi:nil="true"/>
-    <ThumbnailAssetId xmlns="4873beb7-5857-4685-be1f-d57550cc96cc" xsi:nil="true"/>
-    <PrimaryImageGen xmlns="4873beb7-5857-4685-be1f-d57550cc96cc">true</PrimaryImageGen>
-    <LegacyData xmlns="4873beb7-5857-4685-be1f-d57550cc96cc" xsi:nil="true"/>
-    <LocRecommendedHandoff xmlns="4873beb7-5857-4685-be1f-d57550cc96cc" xsi:nil="true"/>
-    <BusinessGroup xmlns="4873beb7-5857-4685-be1f-d57550cc96cc" xsi:nil="true"/>
-    <BlockPublish xmlns="4873beb7-5857-4685-be1f-d57550cc96cc">false</BlockPublish>
-    <TPFriendlyName xmlns="4873beb7-5857-4685-be1f-d57550cc96cc" xsi:nil="true"/>
-    <NumericId xmlns="4873beb7-5857-4685-be1f-d57550cc96cc" xsi:nil="true"/>
-    <APEditor xmlns="4873beb7-5857-4685-be1f-d57550cc96cc">
-      <UserInfo>
-        <DisplayName/>
-        <AccountId xsi:nil="true"/>
-        <AccountType/>
-      </UserInfo>
-    </APEditor>
-    <SourceTitle xmlns="4873beb7-5857-4685-be1f-d57550cc96cc" xsi:nil="true"/>
-    <OpenTemplate xmlns="4873beb7-5857-4685-be1f-d57550cc96cc">true</OpenTemplate>
-    <UALocComments xmlns="4873beb7-5857-4685-be1f-d57550cc96cc" xsi:nil="true"/>
-    <ParentAssetId xmlns="4873beb7-5857-4685-be1f-d57550cc96cc" xsi:nil="true"/>
-    <IntlLangReviewDate xmlns="4873beb7-5857-4685-be1f-d57550cc96cc" xsi:nil="true"/>
-    <FeatureTagsTaxHTField0 xmlns="4873beb7-5857-4685-be1f-d57550cc96cc">
-      <Terms xmlns="http://schemas.microsoft.com/office/infopath/2007/PartnerControls"/>
-    </FeatureTagsTaxHTField0>
-    <PublishStatusLookup xmlns="4873beb7-5857-4685-be1f-d57550cc96cc">
-      <Value>1566889</Value>
-    </PublishStatusLookup>
-    <Providers xmlns="4873beb7-5857-4685-be1f-d57550cc96cc" xsi:nil="true"/>
-    <MachineTranslated xmlns="4873beb7-5857-4685-be1f-d57550cc96cc">false</MachineTranslated>
-    <OriginalSourceMarket xmlns="4873beb7-5857-4685-be1f-d57550cc96cc" xsi:nil="true"/>
-    <APDescription xmlns="4873beb7-5857-4685-be1f-d57550cc96cc" xsi:nil="true"/>
-    <ClipArtFilename xmlns="4873beb7-5857-4685-be1f-d57550cc96cc" xsi:nil="true"/>
-    <ContentItem xmlns="4873beb7-5857-4685-be1f-d57550cc96cc" xsi:nil="true"/>
-    <TPInstallLocation xmlns="4873beb7-5857-4685-be1f-d57550cc96cc" xsi:nil="true"/>
-    <PublishTargets xmlns="4873beb7-5857-4685-be1f-d57550cc96cc">OfficeOnlineVNext</PublishTargets>
-    <TimesCloned xmlns="4873beb7-5857-4685-be1f-d57550cc96cc" xsi:nil="true"/>
-    <AssetStart xmlns="4873beb7-5857-4685-be1f-d57550cc96cc">2012-05-23T08:44:00+00:00</AssetStart>
-    <Provider xmlns="4873beb7-5857-4685-be1f-d57550cc96cc" xsi:nil="true"/>
-    <AcquiredFrom xmlns="4873beb7-5857-4685-be1f-d57550cc96cc">Internal MS</AcquiredFrom>
-    <FriendlyTitle xmlns="4873beb7-5857-4685-be1f-d57550cc96cc" xsi:nil="true"/>
-    <LastHandOff xmlns="4873beb7-5857-4685-be1f-d57550cc96cc" xsi:nil="true"/>
-    <TPClientViewer xmlns="4873beb7-5857-4685-be1f-d57550cc96cc" xsi:nil="true"/>
-    <UACurrentWords xmlns="4873beb7-5857-4685-be1f-d57550cc96cc" xsi:nil="true"/>
-    <ArtSampleDocs xmlns="4873beb7-5857-4685-be1f-d57550cc96cc" xsi:nil="true"/>
-    <UALocRecommendation xmlns="4873beb7-5857-4685-be1f-d57550cc96cc">Localize</UALocRecommendation>
-    <Manager xmlns="4873beb7-5857-4685-be1f-d57550cc96cc" xsi:nil="true"/>
-    <ShowIn xmlns="4873beb7-5857-4685-be1f-d57550cc96cc">Show everywhere</ShowIn>
-    <UANotes xmlns="4873beb7-5857-4685-be1f-d57550cc96cc" xsi:nil="true"/>
-    <TemplateStatus xmlns="4873beb7-5857-4685-be1f-d57550cc96cc">Complete</TemplateStatus>
-    <InternalTagsTaxHTField0 xmlns="4873beb7-5857-4685-be1f-d57550cc96cc">
-      <Terms xmlns="http://schemas.microsoft.com/office/infopath/2007/PartnerControls"/>
-    </InternalTagsTaxHTField0>
-    <CSXHash xmlns="4873beb7-5857-4685-be1f-d57550cc96cc" xsi:nil="true"/>
-    <Downloads xmlns="4873beb7-5857-4685-be1f-d57550cc96cc">0</Downloads>
-    <VoteCount xmlns="4873beb7-5857-4685-be1f-d57550cc96cc" xsi:nil="true"/>
-    <OOCacheId xmlns="4873beb7-5857-4685-be1f-d57550cc96cc" xsi:nil="true"/>
-    <IsDeleted xmlns="4873beb7-5857-4685-be1f-d57550cc96cc">false</IsDeleted>
-    <AssetExpire xmlns="4873beb7-5857-4685-be1f-d57550cc96cc">2029-01-01T08:00:00+00:00</AssetExpire>
-    <DSATActionTaken xmlns="4873beb7-5857-4685-be1f-d57550cc96cc" xsi:nil="true"/>
-    <CSXSubmissionMarket xmlns="4873beb7-5857-4685-be1f-d57550cc96cc" xsi:nil="true"/>
-    <TPExecutable xmlns="4873beb7-5857-4685-be1f-d57550cc96cc" xsi:nil="true"/>
-    <SubmitterId xmlns="4873beb7-5857-4685-be1f-d57550cc96cc" xsi:nil="true"/>
-    <EditorialTags xmlns="4873beb7-5857-4685-be1f-d57550cc96cc" xsi:nil="true"/>
-    <ApprovalLog xmlns="4873beb7-5857-4685-be1f-d57550cc96cc" xsi:nil="true"/>
-    <AssetType xmlns="4873beb7-5857-4685-be1f-d57550cc96cc">TP</AssetType>
-    <BugNumber xmlns="4873beb7-5857-4685-be1f-d57550cc96cc" xsi:nil="true"/>
-    <CSXSubmissionDate xmlns="4873beb7-5857-4685-be1f-d57550cc96cc" xsi:nil="true"/>
-    <CSXUpdate xmlns="4873beb7-5857-4685-be1f-d57550cc96cc">false</CSXUpdate>
-    <Milestone xmlns="4873beb7-5857-4685-be1f-d57550cc96cc" xsi:nil="true"/>
-    <RecommendationsModifier xmlns="4873beb7-5857-4685-be1f-d57550cc96cc" xsi:nil="true"/>
-    <OriginAsset xmlns="4873beb7-5857-4685-be1f-d57550cc96cc" xsi:nil="true"/>
-    <TPComponent xmlns="4873beb7-5857-4685-be1f-d57550cc96cc" xsi:nil="true"/>
-    <AssetId xmlns="4873beb7-5857-4685-be1f-d57550cc96cc">TP102901017</AssetId>
-    <IntlLocPriority xmlns="4873beb7-5857-4685-be1f-d57550cc96cc" xsi:nil="true"/>
-    <PolicheckWords xmlns="4873beb7-5857-4685-be1f-d57550cc96cc" xsi:nil="true"/>
-    <TPLaunchHelpLink xmlns="4873beb7-5857-4685-be1f-d57550cc96cc" xsi:nil="true"/>
-    <TPApplication xmlns="4873beb7-5857-4685-be1f-d57550cc96cc" xsi:nil="true"/>
-    <CrawlForDependencies xmlns="4873beb7-5857-4685-be1f-d57550cc96cc">false</CrawlForDependencies>
-    <HandoffToMSDN xmlns="4873beb7-5857-4685-be1f-d57550cc96cc" xsi:nil="true"/>
-    <PlannedPubDate xmlns="4873beb7-5857-4685-be1f-d57550cc96cc" xsi:nil="true"/>
-    <IntlLangReviewer xmlns="4873beb7-5857-4685-be1f-d57550cc96cc" xsi:nil="true"/>
-    <TrustLevel xmlns="4873beb7-5857-4685-be1f-d57550cc96cc">1 Microsoft Managed Content</TrustLevel>
-    <LocLastLocAttemptVersionLookup xmlns="4873beb7-5857-4685-be1f-d57550cc96cc">836753</LocLastLocAttemptVersionLookup>
-    <IsSearchable xmlns="4873beb7-5857-4685-be1f-d57550cc96cc">true</IsSearchable>
-    <TemplateTemplateType xmlns="4873beb7-5857-4685-be1f-d57550cc96cc">PowerPoint Design Template</TemplateTemplateType>
-    <CampaignTagsTaxHTField0 xmlns="4873beb7-5857-4685-be1f-d57550cc96cc">
-      <Terms xmlns="http://schemas.microsoft.com/office/infopath/2007/PartnerControls"/>
-    </CampaignTagsTaxHTField0>
-    <TPNamespace xmlns="4873beb7-5857-4685-be1f-d57550cc96cc" xsi:nil="true"/>
-    <TaxCatchAll xmlns="4873beb7-5857-4685-be1f-d57550cc96cc"/>
-    <Markets xmlns="4873beb7-5857-4685-be1f-d57550cc96cc"/>
-    <UAProjectedTotalWords xmlns="4873beb7-5857-4685-be1f-d57550cc96cc" xsi:nil="true"/>
-    <IntlLangReview xmlns="4873beb7-5857-4685-be1f-d57550cc96cc">false</IntlLangReview>
-    <OutputCachingOn xmlns="4873beb7-5857-4685-be1f-d57550cc96cc">false</OutputCachingOn>
-    <AverageRating xmlns="4873beb7-5857-4685-be1f-d57550cc96cc" xsi:nil="true"/>
-    <APAuthor xmlns="4873beb7-5857-4685-be1f-d57550cc96cc">
-      <UserInfo>
-        <DisplayName>REDMOND\v-anij</DisplayName>
-        <AccountId>2469</AccountId>
-        <AccountType/>
-      </UserInfo>
-    </APAuthor>
-    <LocManualTestRequired xmlns="4873beb7-5857-4685-be1f-d57550cc96cc">false</LocManualTestRequired>
-    <TPCommandLine xmlns="4873beb7-5857-4685-be1f-d57550cc96cc" xsi:nil="true"/>
-    <TPAppVersion xmlns="4873beb7-5857-4685-be1f-d57550cc96cc" xsi:nil="true"/>
-    <EditorialStatus xmlns="4873beb7-5857-4685-be1f-d57550cc96cc">Complete</EditorialStatus>
-    <LastModifiedDateTime xmlns="4873beb7-5857-4685-be1f-d57550cc96cc" xsi:nil="true"/>
-    <ScenarioTagsTaxHTField0 xmlns="4873beb7-5857-4685-be1f-d57550cc96cc">
-      <Terms xmlns="http://schemas.microsoft.com/office/infopath/2007/PartnerControls"/>
-    </ScenarioTagsTaxHTField0>
-    <OriginalRelease xmlns="4873beb7-5857-4685-be1f-d57550cc96cc">15</OriginalRelease>
-    <TPLaunchHelpLinkType xmlns="4873beb7-5857-4685-be1f-d57550cc96cc">Template</TPLaunchHelpLinkType>
-    <LocalizationTagsTaxHTField0 xmlns="4873beb7-5857-4685-be1f-d57550cc96cc">
-      <Terms xmlns="http://schemas.microsoft.com/office/infopath/2007/PartnerControls"/>
-    </LocalizationTagsTaxHTField0>
-    <LocMarketGroupTiers2 xmlns="4873beb7-5857-4685-be1f-d57550cc96cc" xsi:nil="true"/>
-  </documentManagement>
-</p:properties>
-</file>
-
-<file path=customXml/item3.xml><?xml version="1.0" encoding="utf-8"?>
 <ct:contentTypeSchema xmlns:ct="http://schemas.microsoft.com/office/2006/metadata/contentType" xmlns:ma="http://schemas.microsoft.com/office/2006/metadata/properties/metaAttributes" ct:_="" ma:_="" ma:contentTypeName="TemplateFile" ma:contentTypeID="0x0101006EDDDB5EE6D98C44930B742096920B300400F5B6D36B3EF94B4E9A635CDF2A18F5B8" ma:contentTypeVersion="72" ma:contentTypeDescription="Create a new document." ma:contentTypeScope="" ma:versionID="a23e56308344d904b51738559c3d67c9">
   <xsd:schema xmlns:xsd="http://www.w3.org/2001/XMLSchema" xmlns:xs="http://www.w3.org/2001/XMLSchema" xmlns:p="http://schemas.microsoft.com/office/2006/metadata/properties" xmlns:ns2="4873beb7-5857-4685-be1f-d57550cc96cc" targetNamespace="http://schemas.microsoft.com/office/2006/metadata/properties" ma:root="true" ma:fieldsID="cd0908cc4600e77bf5da051303e00c8d" ns2:_="">
     <xsd:import namespace="4873beb7-5857-4685-be1f-d57550cc96cc"/>
@@ -9956,10 +10769,155 @@
 </ct:contentTypeSchema>
 </file>
 
+<file path=customXml/item2.xml><?xml version="1.0" encoding="utf-8"?>
+<p:properties xmlns:p="http://schemas.microsoft.com/office/2006/metadata/properties" xmlns:xsi="http://www.w3.org/2001/XMLSchema-instance" xmlns:pc="http://schemas.microsoft.com/office/infopath/2007/PartnerControls">
+  <documentManagement>
+    <DirectSourceMarket xmlns="4873beb7-5857-4685-be1f-d57550cc96cc" xsi:nil="true"/>
+    <ApprovalStatus xmlns="4873beb7-5857-4685-be1f-d57550cc96cc">InProgress</ApprovalStatus>
+    <MarketSpecific xmlns="4873beb7-5857-4685-be1f-d57550cc96cc">false</MarketSpecific>
+    <LocComments xmlns="4873beb7-5857-4685-be1f-d57550cc96cc" xsi:nil="true"/>
+    <ThumbnailAssetId xmlns="4873beb7-5857-4685-be1f-d57550cc96cc" xsi:nil="true"/>
+    <PrimaryImageGen xmlns="4873beb7-5857-4685-be1f-d57550cc96cc">true</PrimaryImageGen>
+    <LegacyData xmlns="4873beb7-5857-4685-be1f-d57550cc96cc" xsi:nil="true"/>
+    <LocRecommendedHandoff xmlns="4873beb7-5857-4685-be1f-d57550cc96cc" xsi:nil="true"/>
+    <BusinessGroup xmlns="4873beb7-5857-4685-be1f-d57550cc96cc" xsi:nil="true"/>
+    <BlockPublish xmlns="4873beb7-5857-4685-be1f-d57550cc96cc">false</BlockPublish>
+    <TPFriendlyName xmlns="4873beb7-5857-4685-be1f-d57550cc96cc" xsi:nil="true"/>
+    <NumericId xmlns="4873beb7-5857-4685-be1f-d57550cc96cc" xsi:nil="true"/>
+    <APEditor xmlns="4873beb7-5857-4685-be1f-d57550cc96cc">
+      <UserInfo>
+        <DisplayName/>
+        <AccountId xsi:nil="true"/>
+        <AccountType/>
+      </UserInfo>
+    </APEditor>
+    <SourceTitle xmlns="4873beb7-5857-4685-be1f-d57550cc96cc" xsi:nil="true"/>
+    <OpenTemplate xmlns="4873beb7-5857-4685-be1f-d57550cc96cc">true</OpenTemplate>
+    <UALocComments xmlns="4873beb7-5857-4685-be1f-d57550cc96cc" xsi:nil="true"/>
+    <ParentAssetId xmlns="4873beb7-5857-4685-be1f-d57550cc96cc" xsi:nil="true"/>
+    <IntlLangReviewDate xmlns="4873beb7-5857-4685-be1f-d57550cc96cc" xsi:nil="true"/>
+    <FeatureTagsTaxHTField0 xmlns="4873beb7-5857-4685-be1f-d57550cc96cc">
+      <Terms xmlns="http://schemas.microsoft.com/office/infopath/2007/PartnerControls"/>
+    </FeatureTagsTaxHTField0>
+    <PublishStatusLookup xmlns="4873beb7-5857-4685-be1f-d57550cc96cc">
+      <Value>1566889</Value>
+    </PublishStatusLookup>
+    <Providers xmlns="4873beb7-5857-4685-be1f-d57550cc96cc" xsi:nil="true"/>
+    <MachineTranslated xmlns="4873beb7-5857-4685-be1f-d57550cc96cc">false</MachineTranslated>
+    <OriginalSourceMarket xmlns="4873beb7-5857-4685-be1f-d57550cc96cc" xsi:nil="true"/>
+    <APDescription xmlns="4873beb7-5857-4685-be1f-d57550cc96cc" xsi:nil="true"/>
+    <ClipArtFilename xmlns="4873beb7-5857-4685-be1f-d57550cc96cc" xsi:nil="true"/>
+    <ContentItem xmlns="4873beb7-5857-4685-be1f-d57550cc96cc" xsi:nil="true"/>
+    <TPInstallLocation xmlns="4873beb7-5857-4685-be1f-d57550cc96cc" xsi:nil="true"/>
+    <PublishTargets xmlns="4873beb7-5857-4685-be1f-d57550cc96cc">OfficeOnlineVNext</PublishTargets>
+    <TimesCloned xmlns="4873beb7-5857-4685-be1f-d57550cc96cc" xsi:nil="true"/>
+    <AssetStart xmlns="4873beb7-5857-4685-be1f-d57550cc96cc">2012-05-23T08:44:00+00:00</AssetStart>
+    <Provider xmlns="4873beb7-5857-4685-be1f-d57550cc96cc" xsi:nil="true"/>
+    <AcquiredFrom xmlns="4873beb7-5857-4685-be1f-d57550cc96cc">Internal MS</AcquiredFrom>
+    <FriendlyTitle xmlns="4873beb7-5857-4685-be1f-d57550cc96cc" xsi:nil="true"/>
+    <LastHandOff xmlns="4873beb7-5857-4685-be1f-d57550cc96cc" xsi:nil="true"/>
+    <TPClientViewer xmlns="4873beb7-5857-4685-be1f-d57550cc96cc" xsi:nil="true"/>
+    <UACurrentWords xmlns="4873beb7-5857-4685-be1f-d57550cc96cc" xsi:nil="true"/>
+    <ArtSampleDocs xmlns="4873beb7-5857-4685-be1f-d57550cc96cc" xsi:nil="true"/>
+    <UALocRecommendation xmlns="4873beb7-5857-4685-be1f-d57550cc96cc">Localize</UALocRecommendation>
+    <Manager xmlns="4873beb7-5857-4685-be1f-d57550cc96cc" xsi:nil="true"/>
+    <ShowIn xmlns="4873beb7-5857-4685-be1f-d57550cc96cc">Show everywhere</ShowIn>
+    <UANotes xmlns="4873beb7-5857-4685-be1f-d57550cc96cc" xsi:nil="true"/>
+    <TemplateStatus xmlns="4873beb7-5857-4685-be1f-d57550cc96cc">Complete</TemplateStatus>
+    <InternalTagsTaxHTField0 xmlns="4873beb7-5857-4685-be1f-d57550cc96cc">
+      <Terms xmlns="http://schemas.microsoft.com/office/infopath/2007/PartnerControls"/>
+    </InternalTagsTaxHTField0>
+    <CSXHash xmlns="4873beb7-5857-4685-be1f-d57550cc96cc" xsi:nil="true"/>
+    <Downloads xmlns="4873beb7-5857-4685-be1f-d57550cc96cc">0</Downloads>
+    <VoteCount xmlns="4873beb7-5857-4685-be1f-d57550cc96cc" xsi:nil="true"/>
+    <OOCacheId xmlns="4873beb7-5857-4685-be1f-d57550cc96cc" xsi:nil="true"/>
+    <IsDeleted xmlns="4873beb7-5857-4685-be1f-d57550cc96cc">false</IsDeleted>
+    <AssetExpire xmlns="4873beb7-5857-4685-be1f-d57550cc96cc">2029-01-01T08:00:00+00:00</AssetExpire>
+    <DSATActionTaken xmlns="4873beb7-5857-4685-be1f-d57550cc96cc" xsi:nil="true"/>
+    <CSXSubmissionMarket xmlns="4873beb7-5857-4685-be1f-d57550cc96cc" xsi:nil="true"/>
+    <TPExecutable xmlns="4873beb7-5857-4685-be1f-d57550cc96cc" xsi:nil="true"/>
+    <SubmitterId xmlns="4873beb7-5857-4685-be1f-d57550cc96cc" xsi:nil="true"/>
+    <EditorialTags xmlns="4873beb7-5857-4685-be1f-d57550cc96cc" xsi:nil="true"/>
+    <ApprovalLog xmlns="4873beb7-5857-4685-be1f-d57550cc96cc" xsi:nil="true"/>
+    <AssetType xmlns="4873beb7-5857-4685-be1f-d57550cc96cc">TP</AssetType>
+    <BugNumber xmlns="4873beb7-5857-4685-be1f-d57550cc96cc" xsi:nil="true"/>
+    <CSXSubmissionDate xmlns="4873beb7-5857-4685-be1f-d57550cc96cc" xsi:nil="true"/>
+    <CSXUpdate xmlns="4873beb7-5857-4685-be1f-d57550cc96cc">false</CSXUpdate>
+    <Milestone xmlns="4873beb7-5857-4685-be1f-d57550cc96cc" xsi:nil="true"/>
+    <RecommendationsModifier xmlns="4873beb7-5857-4685-be1f-d57550cc96cc" xsi:nil="true"/>
+    <OriginAsset xmlns="4873beb7-5857-4685-be1f-d57550cc96cc" xsi:nil="true"/>
+    <TPComponent xmlns="4873beb7-5857-4685-be1f-d57550cc96cc" xsi:nil="true"/>
+    <AssetId xmlns="4873beb7-5857-4685-be1f-d57550cc96cc">TP102901017</AssetId>
+    <IntlLocPriority xmlns="4873beb7-5857-4685-be1f-d57550cc96cc" xsi:nil="true"/>
+    <PolicheckWords xmlns="4873beb7-5857-4685-be1f-d57550cc96cc" xsi:nil="true"/>
+    <TPLaunchHelpLink xmlns="4873beb7-5857-4685-be1f-d57550cc96cc" xsi:nil="true"/>
+    <TPApplication xmlns="4873beb7-5857-4685-be1f-d57550cc96cc" xsi:nil="true"/>
+    <CrawlForDependencies xmlns="4873beb7-5857-4685-be1f-d57550cc96cc">false</CrawlForDependencies>
+    <HandoffToMSDN xmlns="4873beb7-5857-4685-be1f-d57550cc96cc" xsi:nil="true"/>
+    <PlannedPubDate xmlns="4873beb7-5857-4685-be1f-d57550cc96cc" xsi:nil="true"/>
+    <IntlLangReviewer xmlns="4873beb7-5857-4685-be1f-d57550cc96cc" xsi:nil="true"/>
+    <TrustLevel xmlns="4873beb7-5857-4685-be1f-d57550cc96cc">1 Microsoft Managed Content</TrustLevel>
+    <LocLastLocAttemptVersionLookup xmlns="4873beb7-5857-4685-be1f-d57550cc96cc">836753</LocLastLocAttemptVersionLookup>
+    <IsSearchable xmlns="4873beb7-5857-4685-be1f-d57550cc96cc">true</IsSearchable>
+    <TemplateTemplateType xmlns="4873beb7-5857-4685-be1f-d57550cc96cc">PowerPoint Design Template</TemplateTemplateType>
+    <CampaignTagsTaxHTField0 xmlns="4873beb7-5857-4685-be1f-d57550cc96cc">
+      <Terms xmlns="http://schemas.microsoft.com/office/infopath/2007/PartnerControls"/>
+    </CampaignTagsTaxHTField0>
+    <TPNamespace xmlns="4873beb7-5857-4685-be1f-d57550cc96cc" xsi:nil="true"/>
+    <TaxCatchAll xmlns="4873beb7-5857-4685-be1f-d57550cc96cc"/>
+    <Markets xmlns="4873beb7-5857-4685-be1f-d57550cc96cc"/>
+    <UAProjectedTotalWords xmlns="4873beb7-5857-4685-be1f-d57550cc96cc" xsi:nil="true"/>
+    <IntlLangReview xmlns="4873beb7-5857-4685-be1f-d57550cc96cc">false</IntlLangReview>
+    <OutputCachingOn xmlns="4873beb7-5857-4685-be1f-d57550cc96cc">false</OutputCachingOn>
+    <AverageRating xmlns="4873beb7-5857-4685-be1f-d57550cc96cc" xsi:nil="true"/>
+    <APAuthor xmlns="4873beb7-5857-4685-be1f-d57550cc96cc">
+      <UserInfo>
+        <DisplayName>REDMOND\v-anij</DisplayName>
+        <AccountId>2469</AccountId>
+        <AccountType/>
+      </UserInfo>
+    </APAuthor>
+    <LocManualTestRequired xmlns="4873beb7-5857-4685-be1f-d57550cc96cc">false</LocManualTestRequired>
+    <TPCommandLine xmlns="4873beb7-5857-4685-be1f-d57550cc96cc" xsi:nil="true"/>
+    <TPAppVersion xmlns="4873beb7-5857-4685-be1f-d57550cc96cc" xsi:nil="true"/>
+    <EditorialStatus xmlns="4873beb7-5857-4685-be1f-d57550cc96cc">Complete</EditorialStatus>
+    <LastModifiedDateTime xmlns="4873beb7-5857-4685-be1f-d57550cc96cc" xsi:nil="true"/>
+    <ScenarioTagsTaxHTField0 xmlns="4873beb7-5857-4685-be1f-d57550cc96cc">
+      <Terms xmlns="http://schemas.microsoft.com/office/infopath/2007/PartnerControls"/>
+    </ScenarioTagsTaxHTField0>
+    <OriginalRelease xmlns="4873beb7-5857-4685-be1f-d57550cc96cc">15</OriginalRelease>
+    <TPLaunchHelpLinkType xmlns="4873beb7-5857-4685-be1f-d57550cc96cc">Template</TPLaunchHelpLinkType>
+    <LocalizationTagsTaxHTField0 xmlns="4873beb7-5857-4685-be1f-d57550cc96cc">
+      <Terms xmlns="http://schemas.microsoft.com/office/infopath/2007/PartnerControls"/>
+    </LocalizationTagsTaxHTField0>
+    <LocMarketGroupTiers2 xmlns="4873beb7-5857-4685-be1f-d57550cc96cc" xsi:nil="true"/>
+  </documentManagement>
+</p:properties>
+</file>
+
+<file path=customXml/item3.xml><?xml version="1.0" encoding="utf-8"?>
+<?mso-contentType ?>
+<FormTemplates xmlns="http://schemas.microsoft.com/sharepoint/v3/contenttype/forms">
+  <Display>DocumentLibraryForm</Display>
+  <Edit>AssetEditForm</Edit>
+  <New>DocumentLibraryForm</New>
+</FormTemplates>
+</file>
+
 <file path=customXml/itemProps1.xml><?xml version="1.0" encoding="utf-8"?>
-<ds:datastoreItem xmlns:ds="http://schemas.openxmlformats.org/officeDocument/2006/customXml" ds:itemID="{746CFF6F-D9AA-4BC0-911A-0A1356771912}">
+<ds:datastoreItem xmlns:ds="http://schemas.openxmlformats.org/officeDocument/2006/customXml" ds:itemID="{0B5C6E15-39DC-470B-9445-F754B9458020}">
   <ds:schemaRefs>
-    <ds:schemaRef ds:uri="http://schemas.microsoft.com/sharepoint/v3/contenttype/forms"/>
+    <ds:schemaRef ds:uri="http://schemas.microsoft.com/office/2006/metadata/contentType"/>
+    <ds:schemaRef ds:uri="http://schemas.microsoft.com/office/2006/metadata/properties/metaAttributes"/>
+    <ds:schemaRef ds:uri="http://www.w3.org/2001/XMLSchema"/>
+    <ds:schemaRef ds:uri="http://schemas.microsoft.com/office/2006/metadata/properties"/>
+    <ds:schemaRef ds:uri="4873beb7-5857-4685-be1f-d57550cc96cc"/>
+    <ds:schemaRef ds:uri="http://schemas.microsoft.com/office/2006/documentManagement/types"/>
+    <ds:schemaRef ds:uri="http://schemas.microsoft.com/office/infopath/2007/PartnerControls"/>
+    <ds:schemaRef ds:uri="http://schemas.openxmlformats.org/package/2006/metadata/core-properties"/>
+    <ds:schemaRef ds:uri="http://purl.org/dc/elements/1.1/"/>
+    <ds:schemaRef ds:uri="http://purl.org/dc/terms/"/>
+    <ds:schemaRef ds:uri="http://schemas.microsoft.com/internal/obd"/>
   </ds:schemaRefs>
 </ds:datastoreItem>
 </file>
@@ -9975,19 +10933,9 @@
 </file>
 
 <file path=customXml/itemProps3.xml><?xml version="1.0" encoding="utf-8"?>
-<ds:datastoreItem xmlns:ds="http://schemas.openxmlformats.org/officeDocument/2006/customXml" ds:itemID="{0B5C6E15-39DC-470B-9445-F754B9458020}">
+<ds:datastoreItem xmlns:ds="http://schemas.openxmlformats.org/officeDocument/2006/customXml" ds:itemID="{746CFF6F-D9AA-4BC0-911A-0A1356771912}">
   <ds:schemaRefs>
-    <ds:schemaRef ds:uri="http://schemas.microsoft.com/office/2006/metadata/contentType"/>
-    <ds:schemaRef ds:uri="http://schemas.microsoft.com/office/2006/metadata/properties/metaAttributes"/>
-    <ds:schemaRef ds:uri="http://www.w3.org/2001/XMLSchema"/>
-    <ds:schemaRef ds:uri="http://schemas.microsoft.com/office/2006/metadata/properties"/>
-    <ds:schemaRef ds:uri="4873beb7-5857-4685-be1f-d57550cc96cc"/>
-    <ds:schemaRef ds:uri="http://schemas.microsoft.com/office/2006/documentManagement/types"/>
-    <ds:schemaRef ds:uri="http://schemas.microsoft.com/office/infopath/2007/PartnerControls"/>
-    <ds:schemaRef ds:uri="http://schemas.openxmlformats.org/package/2006/metadata/core-properties"/>
-    <ds:schemaRef ds:uri="http://purl.org/dc/elements/1.1/"/>
-    <ds:schemaRef ds:uri="http://purl.org/dc/terms/"/>
-    <ds:schemaRef ds:uri="http://schemas.microsoft.com/internal/obd"/>
+    <ds:schemaRef ds:uri="http://schemas.microsoft.com/sharepoint/v3/contenttype/forms"/>
   </ds:schemaRefs>
 </ds:datastoreItem>
 </file>